--- a/YouTube_Notes_Development_Guide.pptx
+++ b/YouTube_Notes_Development_Guide.pptx
@@ -5,32 +5,34 @@
     <p:sldMasterId id="2147483648" r:id="rId1"/>
   </p:sldMasterIdLst>
   <p:notesMasterIdLst>
-    <p:notesMasterId r:id="rId25"/>
+    <p:notesMasterId r:id="rId27"/>
   </p:notesMasterIdLst>
   <p:sldIdLst>
     <p:sldId id="256" r:id="rId2"/>
-    <p:sldId id="257" r:id="rId3"/>
-    <p:sldId id="258" r:id="rId4"/>
-    <p:sldId id="259" r:id="rId5"/>
-    <p:sldId id="260" r:id="rId6"/>
-    <p:sldId id="261" r:id="rId7"/>
-    <p:sldId id="262" r:id="rId8"/>
-    <p:sldId id="263" r:id="rId9"/>
-    <p:sldId id="264" r:id="rId10"/>
-    <p:sldId id="265" r:id="rId11"/>
-    <p:sldId id="278" r:id="rId12"/>
-    <p:sldId id="279" r:id="rId13"/>
-    <p:sldId id="266" r:id="rId14"/>
-    <p:sldId id="267" r:id="rId15"/>
-    <p:sldId id="268" r:id="rId16"/>
-    <p:sldId id="269" r:id="rId17"/>
-    <p:sldId id="270" r:id="rId18"/>
-    <p:sldId id="271" r:id="rId19"/>
-    <p:sldId id="272" r:id="rId20"/>
-    <p:sldId id="273" r:id="rId21"/>
-    <p:sldId id="274" r:id="rId22"/>
-    <p:sldId id="277" r:id="rId23"/>
-    <p:sldId id="275" r:id="rId24"/>
+    <p:sldId id="281" r:id="rId3"/>
+    <p:sldId id="257" r:id="rId4"/>
+    <p:sldId id="258" r:id="rId5"/>
+    <p:sldId id="259" r:id="rId6"/>
+    <p:sldId id="260" r:id="rId7"/>
+    <p:sldId id="261" r:id="rId8"/>
+    <p:sldId id="262" r:id="rId9"/>
+    <p:sldId id="263" r:id="rId10"/>
+    <p:sldId id="264" r:id="rId11"/>
+    <p:sldId id="265" r:id="rId12"/>
+    <p:sldId id="280" r:id="rId13"/>
+    <p:sldId id="278" r:id="rId14"/>
+    <p:sldId id="279" r:id="rId15"/>
+    <p:sldId id="266" r:id="rId16"/>
+    <p:sldId id="267" r:id="rId17"/>
+    <p:sldId id="268" r:id="rId18"/>
+    <p:sldId id="269" r:id="rId19"/>
+    <p:sldId id="270" r:id="rId20"/>
+    <p:sldId id="271" r:id="rId21"/>
+    <p:sldId id="272" r:id="rId22"/>
+    <p:sldId id="273" r:id="rId23"/>
+    <p:sldId id="274" r:id="rId24"/>
+    <p:sldId id="277" r:id="rId25"/>
+    <p:sldId id="275" r:id="rId26"/>
   </p:sldIdLst>
   <p:sldSz cx="9144000" cy="6858000" type="screen4x3"/>
   <p:notesSz cx="6858000" cy="9144000"/>
@@ -573,7 +575,7 @@
           <a:p>
             <a:fld id="{EF497A26-6BAB-4CD0-823C-A9FB6FBEF12F}" type="slidenum">
               <a:rPr lang="ko-KR" altLang="en-US" smtClean="0"/>
-              <a:t>10</a:t>
+              <a:t>11</a:t>
             </a:fld>
             <a:endParaRPr lang="ko-KR" altLang="en-US"/>
           </a:p>
@@ -667,7 +669,7 @@
           <a:p>
             <a:fld id="{EF497A26-6BAB-4CD0-823C-A9FB6FBEF12F}" type="slidenum">
               <a:rPr lang="ko-KR" altLang="en-US" smtClean="0"/>
-              <a:t>11</a:t>
+              <a:t>13</a:t>
             </a:fld>
             <a:endParaRPr lang="ko-KR" altLang="en-US"/>
           </a:p>
@@ -761,7 +763,7 @@
           <a:p>
             <a:fld id="{EF497A26-6BAB-4CD0-823C-A9FB6FBEF12F}" type="slidenum">
               <a:rPr lang="ko-KR" altLang="en-US" smtClean="0"/>
-              <a:t>12</a:t>
+              <a:t>14</a:t>
             </a:fld>
             <a:endParaRPr lang="ko-KR" altLang="en-US"/>
           </a:p>
@@ -3909,6 +3911,205 @@
               </a:defRPr>
             </a:pPr>
             <a:r>
+              <a:t>Pre-Submission Checklist</a:t>
+            </a:r>
+          </a:p>
+        </p:txBody>
+      </p:sp>
+      <p:sp>
+        <p:nvSpPr>
+          <p:cNvPr id="3" name="TextBox 2"/>
+          <p:cNvSpPr txBox="1"/>
+          <p:nvPr/>
+        </p:nvSpPr>
+        <p:spPr>
+          <a:xfrm>
+            <a:off x="914400" y="1188720"/>
+            <a:ext cx="7772400" cy="5029200"/>
+          </a:xfrm>
+          <a:prstGeom prst="rect">
+            <a:avLst/>
+          </a:prstGeom>
+          <a:noFill/>
+        </p:spPr>
+        <p:txBody>
+          <a:bodyPr wrap="square">
+            <a:spAutoFit/>
+          </a:bodyPr>
+          <a:lstStyle/>
+          <a:p>
+            <a:pPr>
+              <a:spcBef>
+                <a:spcPts val="800"/>
+              </a:spcBef>
+              <a:spcAft>
+                <a:spcPts val="800"/>
+              </a:spcAft>
+              <a:defRPr sz="2000">
+                <a:solidFill>
+                  <a:srgbClr val="3C3C3C"/>
+                </a:solidFill>
+              </a:defRPr>
+            </a:pPr>
+            <a:r>
+              <a:t>✅ manifest.json properly configured</a:t>
+            </a:r>
+          </a:p>
+          <a:p>
+            <a:pPr>
+              <a:spcBef>
+                <a:spcPts val="800"/>
+              </a:spcBef>
+              <a:spcAft>
+                <a:spcPts val="800"/>
+              </a:spcAft>
+              <a:defRPr sz="2000">
+                <a:solidFill>
+                  <a:srgbClr val="3C3C3C"/>
+                </a:solidFill>
+              </a:defRPr>
+            </a:pPr>
+            <a:r>
+              <a:t>✅ Icons created (16, 48, 128 PNG)</a:t>
+            </a:r>
+          </a:p>
+          <a:p>
+            <a:pPr>
+              <a:spcBef>
+                <a:spcPts val="800"/>
+              </a:spcBef>
+              <a:spcAft>
+                <a:spcPts val="800"/>
+              </a:spcAft>
+              <a:defRPr sz="2000">
+                <a:solidFill>
+                  <a:srgbClr val="3C3C3C"/>
+                </a:solidFill>
+              </a:defRPr>
+            </a:pPr>
+            <a:r>
+              <a:t>✅ Privacy policy written (English)</a:t>
+            </a:r>
+          </a:p>
+          <a:p>
+            <a:pPr>
+              <a:spcBef>
+                <a:spcPts val="800"/>
+              </a:spcBef>
+              <a:spcAft>
+                <a:spcPts val="800"/>
+              </a:spcAft>
+              <a:defRPr sz="2000">
+                <a:solidFill>
+                  <a:srgbClr val="3C3C3C"/>
+                </a:solidFill>
+              </a:defRPr>
+            </a:pPr>
+            <a:r>
+              <a:t>✅ README.md with usage instructions</a:t>
+            </a:r>
+          </a:p>
+          <a:p>
+            <a:pPr>
+              <a:spcBef>
+                <a:spcPts val="800"/>
+              </a:spcBef>
+              <a:spcAft>
+                <a:spcPts val="800"/>
+              </a:spcAft>
+              <a:defRPr sz="2000">
+                <a:solidFill>
+                  <a:srgbClr val="3C3C3C"/>
+                </a:solidFill>
+              </a:defRPr>
+            </a:pPr>
+            <a:r>
+              <a:t>✅ All files packaged as .zip</a:t>
+            </a:r>
+          </a:p>
+          <a:p>
+            <a:pPr>
+              <a:spcBef>
+                <a:spcPts val="800"/>
+              </a:spcBef>
+              <a:spcAft>
+                <a:spcPts val="800"/>
+              </a:spcAft>
+              <a:defRPr sz="2000">
+                <a:solidFill>
+                  <a:srgbClr val="3C3C3C"/>
+                </a:solidFill>
+              </a:defRPr>
+            </a:pPr>
+            <a:r>
+              <a:t>✅ No external code/resources</a:t>
+            </a:r>
+          </a:p>
+        </p:txBody>
+      </p:sp>
+    </p:spTree>
+  </p:cSld>
+  <p:clrMapOvr>
+    <a:masterClrMapping/>
+  </p:clrMapOvr>
+</p:sld>
+</file>
+
+<file path=ppt/slides/slide11.xml><?xml version="1.0" encoding="utf-8"?>
+<p:sld xmlns:a="http://schemas.openxmlformats.org/drawingml/2006/main" xmlns:r="http://schemas.openxmlformats.org/officeDocument/2006/relationships" xmlns:p="http://schemas.openxmlformats.org/presentationml/2006/main">
+  <p:cSld>
+    <p:bg>
+      <p:bgPr>
+        <a:solidFill>
+          <a:srgbClr val="FFFFFF"/>
+        </a:solidFill>
+        <a:effectLst/>
+      </p:bgPr>
+    </p:bg>
+    <p:spTree>
+      <p:nvGrpSpPr>
+        <p:cNvPr id="1" name=""/>
+        <p:cNvGrpSpPr/>
+        <p:nvPr/>
+      </p:nvGrpSpPr>
+      <p:grpSpPr>
+        <a:xfrm>
+          <a:off x="0" y="0"/>
+          <a:ext cx="0" cy="0"/>
+          <a:chOff x="0" y="0"/>
+          <a:chExt cx="0" cy="0"/>
+        </a:xfrm>
+      </p:grpSpPr>
+      <p:sp>
+        <p:nvSpPr>
+          <p:cNvPr id="2" name="TextBox 1"/>
+          <p:cNvSpPr txBox="1"/>
+          <p:nvPr/>
+        </p:nvSpPr>
+        <p:spPr>
+          <a:xfrm>
+            <a:off x="457200" y="274320"/>
+            <a:ext cx="8229600" cy="731520"/>
+          </a:xfrm>
+          <a:prstGeom prst="rect">
+            <a:avLst/>
+          </a:prstGeom>
+          <a:noFill/>
+        </p:spPr>
+        <p:txBody>
+          <a:bodyPr wrap="none">
+            <a:spAutoFit/>
+          </a:bodyPr>
+          <a:lstStyle/>
+          <a:p>
+            <a:pPr>
+              <a:defRPr sz="4400" b="1">
+                <a:solidFill>
+                  <a:srgbClr val="D32F2F"/>
+                </a:solidFill>
+              </a:defRPr>
+            </a:pPr>
+            <a:r>
               <a:t>Chrome Web Store - Account Setup</a:t>
             </a:r>
           </a:p>
@@ -4191,7 +4392,61 @@
 </p:sld>
 </file>
 
-<file path=ppt/slides/slide11.xml><?xml version="1.0" encoding="utf-8"?>
+<file path=ppt/slides/slide12.xml><?xml version="1.0" encoding="utf-8"?>
+<p:sld xmlns:a="http://schemas.openxmlformats.org/drawingml/2006/main" xmlns:r="http://schemas.openxmlformats.org/officeDocument/2006/relationships" xmlns:p="http://schemas.openxmlformats.org/presentationml/2006/main">
+  <p:cSld>
+    <p:spTree>
+      <p:nvGrpSpPr>
+        <p:cNvPr id="1" name=""/>
+        <p:cNvGrpSpPr/>
+        <p:nvPr/>
+      </p:nvGrpSpPr>
+      <p:grpSpPr>
+        <a:xfrm>
+          <a:off x="0" y="0"/>
+          <a:ext cx="0" cy="0"/>
+          <a:chOff x="0" y="0"/>
+          <a:chExt cx="0" cy="0"/>
+        </a:xfrm>
+      </p:grpSpPr>
+      <p:pic>
+        <p:nvPicPr>
+          <p:cNvPr id="2" name="그림 1"/>
+          <p:cNvPicPr>
+            <a:picLocks noChangeAspect="1"/>
+          </p:cNvPicPr>
+          <p:nvPr/>
+        </p:nvPicPr>
+        <p:blipFill>
+          <a:blip r:embed="rId2"/>
+          <a:stretch>
+            <a:fillRect/>
+          </a:stretch>
+        </p:blipFill>
+        <p:spPr>
+          <a:xfrm>
+            <a:off x="324466" y="423239"/>
+            <a:ext cx="8316912" cy="5982186"/>
+          </a:xfrm>
+          <a:prstGeom prst="rect">
+            <a:avLst/>
+          </a:prstGeom>
+        </p:spPr>
+      </p:pic>
+    </p:spTree>
+    <p:extLst>
+      <p:ext uri="{BB962C8B-B14F-4D97-AF65-F5344CB8AC3E}">
+        <p14:creationId xmlns:p14="http://schemas.microsoft.com/office/powerpoint/2010/main" val="2991055151"/>
+      </p:ext>
+    </p:extLst>
+  </p:cSld>
+  <p:clrMapOvr>
+    <a:masterClrMapping/>
+  </p:clrMapOvr>
+</p:sld>
+</file>
+
+<file path=ppt/slides/slide13.xml><?xml version="1.0" encoding="utf-8"?>
 <p:sld xmlns:a="http://schemas.openxmlformats.org/drawingml/2006/main" xmlns:r="http://schemas.openxmlformats.org/officeDocument/2006/relationships" xmlns:p="http://schemas.openxmlformats.org/presentationml/2006/main">
   <p:cSld>
     <p:spTree>
@@ -4444,7 +4699,7 @@
 </p:sld>
 </file>
 
-<file path=ppt/slides/slide12.xml><?xml version="1.0" encoding="utf-8"?>
+<file path=ppt/slides/slide14.xml><?xml version="1.0" encoding="utf-8"?>
 <p:sld xmlns:a="http://schemas.openxmlformats.org/drawingml/2006/main" xmlns:r="http://schemas.openxmlformats.org/officeDocument/2006/relationships" xmlns:p="http://schemas.openxmlformats.org/presentationml/2006/main">
   <p:cSld>
     <p:spTree>
@@ -5027,488 +5282,6 @@
       </p:par>
     </p:tnLst>
   </p:timing>
-</p:sld>
-</file>
-
-<file path=ppt/slides/slide13.xml><?xml version="1.0" encoding="utf-8"?>
-<p:sld xmlns:a="http://schemas.openxmlformats.org/drawingml/2006/main" xmlns:r="http://schemas.openxmlformats.org/officeDocument/2006/relationships" xmlns:p="http://schemas.openxmlformats.org/presentationml/2006/main">
-  <p:cSld>
-    <p:bg>
-      <p:bgPr>
-        <a:solidFill>
-          <a:srgbClr val="FFFFFF"/>
-        </a:solidFill>
-        <a:effectLst/>
-      </p:bgPr>
-    </p:bg>
-    <p:spTree>
-      <p:nvGrpSpPr>
-        <p:cNvPr id="1" name=""/>
-        <p:cNvGrpSpPr/>
-        <p:nvPr/>
-      </p:nvGrpSpPr>
-      <p:grpSpPr>
-        <a:xfrm>
-          <a:off x="0" y="0"/>
-          <a:ext cx="0" cy="0"/>
-          <a:chOff x="0" y="0"/>
-          <a:chExt cx="0" cy="0"/>
-        </a:xfrm>
-      </p:grpSpPr>
-      <p:sp>
-        <p:nvSpPr>
-          <p:cNvPr id="2" name="TextBox 1"/>
-          <p:cNvSpPr txBox="1"/>
-          <p:nvPr/>
-        </p:nvSpPr>
-        <p:spPr>
-          <a:xfrm>
-            <a:off x="457200" y="274320"/>
-            <a:ext cx="8229600" cy="731520"/>
-          </a:xfrm>
-          <a:prstGeom prst="rect">
-            <a:avLst/>
-          </a:prstGeom>
-          <a:noFill/>
-        </p:spPr>
-        <p:txBody>
-          <a:bodyPr wrap="none">
-            <a:spAutoFit/>
-          </a:bodyPr>
-          <a:lstStyle/>
-          <a:p>
-            <a:pPr>
-              <a:defRPr sz="4400" b="1">
-                <a:solidFill>
-                  <a:srgbClr val="D32F2F"/>
-                </a:solidFill>
-              </a:defRPr>
-            </a:pPr>
-            <a:r>
-              <a:t>Submission Process</a:t>
-            </a:r>
-          </a:p>
-        </p:txBody>
-      </p:sp>
-      <p:sp>
-        <p:nvSpPr>
-          <p:cNvPr id="3" name="TextBox 2"/>
-          <p:cNvSpPr txBox="1"/>
-          <p:nvPr/>
-        </p:nvSpPr>
-        <p:spPr>
-          <a:xfrm>
-            <a:off x="914400" y="1188720"/>
-            <a:ext cx="7772400" cy="5029200"/>
-          </a:xfrm>
-          <a:prstGeom prst="rect">
-            <a:avLst/>
-          </a:prstGeom>
-          <a:noFill/>
-        </p:spPr>
-        <p:txBody>
-          <a:bodyPr wrap="square">
-            <a:spAutoFit/>
-          </a:bodyPr>
-          <a:lstStyle/>
-          <a:p>
-            <a:pPr>
-              <a:spcBef>
-                <a:spcPts val="800"/>
-              </a:spcBef>
-              <a:spcAft>
-                <a:spcPts val="800"/>
-              </a:spcAft>
-              <a:defRPr sz="2000">
-                <a:solidFill>
-                  <a:srgbClr val="3C3C3C"/>
-                </a:solidFill>
-              </a:defRPr>
-            </a:pPr>
-            <a:r>
-              <a:t>1️⃣ Create new item → Upload youtube_notes_v1.0.0.zip</a:t>
-            </a:r>
-          </a:p>
-          <a:p>
-            <a:pPr>
-              <a:spcBef>
-                <a:spcPts val="800"/>
-              </a:spcBef>
-              <a:spcAft>
-                <a:spcPts val="800"/>
-              </a:spcAft>
-              <a:defRPr sz="2000">
-                <a:solidFill>
-                  <a:srgbClr val="3C3C3C"/>
-                </a:solidFill>
-              </a:defRPr>
-            </a:pPr>
-            <a:r>
-              <a:t>2️⃣ Fill basic info: Name, Description, Category</a:t>
-            </a:r>
-          </a:p>
-          <a:p>
-            <a:pPr>
-              <a:spcBef>
-                <a:spcPts val="800"/>
-              </a:spcBef>
-              <a:spcAft>
-                <a:spcPts val="800"/>
-              </a:spcAft>
-              <a:defRPr sz="2000">
-                <a:solidFill>
-                  <a:srgbClr val="3C3C3C"/>
-                </a:solidFill>
-              </a:defRPr>
-            </a:pPr>
-            <a:r>
-              <a:t>3️⃣ Upload icon (128x128) &amp; promo tiles (440x280)</a:t>
-            </a:r>
-          </a:p>
-          <a:p>
-            <a:pPr>
-              <a:spcBef>
-                <a:spcPts val="800"/>
-              </a:spcBef>
-              <a:spcAft>
-                <a:spcPts val="800"/>
-              </a:spcAft>
-              <a:defRPr sz="2000">
-                <a:solidFill>
-                  <a:srgbClr val="3C3C3C"/>
-                </a:solidFill>
-              </a:defRPr>
-            </a:pPr>
-            <a:r>
-              <a:t>4️⃣ Add 1-2 screenshots (1280x800 recommended)</a:t>
-            </a:r>
-          </a:p>
-          <a:p>
-            <a:pPr>
-              <a:spcBef>
-                <a:spcPts val="800"/>
-              </a:spcBef>
-              <a:spcAft>
-                <a:spcPts val="800"/>
-              </a:spcAft>
-              <a:defRPr sz="2000">
-                <a:solidFill>
-                  <a:srgbClr val="3C3C3C"/>
-                </a:solidFill>
-              </a:defRPr>
-            </a:pPr>
-            <a:r>
-              <a:t>5️⃣ Set language (English, Korean, etc)</a:t>
-            </a:r>
-          </a:p>
-          <a:p>
-            <a:pPr>
-              <a:spcBef>
-                <a:spcPts val="800"/>
-              </a:spcBef>
-              <a:spcAft>
-                <a:spcPts val="800"/>
-              </a:spcAft>
-              <a:defRPr sz="2000">
-                <a:solidFill>
-                  <a:srgbClr val="3C3C3C"/>
-                </a:solidFill>
-              </a:defRPr>
-            </a:pPr>
-            <a:r>
-              <a:t>6️⃣ Save Draft → Click Publish</a:t>
-            </a:r>
-          </a:p>
-        </p:txBody>
-      </p:sp>
-      <p:sp>
-        <p:nvSpPr>
-          <p:cNvPr id="4" name="TextBox 3"/>
-          <p:cNvSpPr txBox="1"/>
-          <p:nvPr/>
-        </p:nvSpPr>
-        <p:spPr>
-          <a:xfrm>
-            <a:off x="6801956" y="2731401"/>
-            <a:ext cx="2036840" cy="369332"/>
-          </a:xfrm>
-          <a:prstGeom prst="rect">
-            <a:avLst/>
-          </a:prstGeom>
-          <a:noFill/>
-        </p:spPr>
-        <p:txBody>
-          <a:bodyPr wrap="none" rtlCol="0">
-            <a:spAutoFit/>
-          </a:bodyPr>
-          <a:lstStyle/>
-          <a:p>
-            <a:r>
-              <a:rPr lang="en-US" altLang="ko-KR" dirty="0" smtClean="0">
-                <a:solidFill>
-                  <a:srgbClr val="0070C0"/>
-                </a:solidFill>
-              </a:rPr>
-              <a:t>Register Screenshot</a:t>
-            </a:r>
-            <a:endParaRPr lang="ko-KR" altLang="en-US" dirty="0">
-              <a:solidFill>
-                <a:srgbClr val="0070C0"/>
-              </a:solidFill>
-            </a:endParaRPr>
-          </a:p>
-        </p:txBody>
-      </p:sp>
-      <p:sp>
-        <p:nvSpPr>
-          <p:cNvPr id="5" name="TextBox 4"/>
-          <p:cNvSpPr txBox="1"/>
-          <p:nvPr/>
-        </p:nvSpPr>
-        <p:spPr>
-          <a:xfrm>
-            <a:off x="6076335" y="3283613"/>
-            <a:ext cx="1707519" cy="369332"/>
-          </a:xfrm>
-          <a:prstGeom prst="rect">
-            <a:avLst/>
-          </a:prstGeom>
-          <a:noFill/>
-        </p:spPr>
-        <p:txBody>
-          <a:bodyPr wrap="none" rtlCol="0">
-            <a:spAutoFit/>
-          </a:bodyPr>
-          <a:lstStyle/>
-          <a:p>
-            <a:r>
-              <a:rPr lang="en-US" altLang="ko-KR" dirty="0" smtClean="0">
-                <a:solidFill>
-                  <a:srgbClr val="0070C0"/>
-                </a:solidFill>
-              </a:rPr>
-              <a:t>Use only </a:t>
-            </a:r>
-            <a:r>
-              <a:rPr lang="en-US" altLang="ko-KR" dirty="0" err="1" smtClean="0">
-                <a:solidFill>
-                  <a:srgbClr val="0070C0"/>
-                </a:solidFill>
-              </a:rPr>
-              <a:t>english</a:t>
-            </a:r>
-            <a:endParaRPr lang="ko-KR" altLang="en-US" dirty="0">
-              <a:solidFill>
-                <a:srgbClr val="0070C0"/>
-              </a:solidFill>
-            </a:endParaRPr>
-          </a:p>
-        </p:txBody>
-      </p:sp>
-    </p:spTree>
-  </p:cSld>
-  <p:clrMapOvr>
-    <a:masterClrMapping/>
-  </p:clrMapOvr>
-</p:sld>
-</file>
-
-<file path=ppt/slides/slide14.xml><?xml version="1.0" encoding="utf-8"?>
-<p:sld xmlns:a="http://schemas.openxmlformats.org/drawingml/2006/main" xmlns:r="http://schemas.openxmlformats.org/officeDocument/2006/relationships" xmlns:p="http://schemas.openxmlformats.org/presentationml/2006/main">
-  <p:cSld>
-    <p:bg>
-      <p:bgPr>
-        <a:solidFill>
-          <a:srgbClr val="FFFFFF"/>
-        </a:solidFill>
-        <a:effectLst/>
-      </p:bgPr>
-    </p:bg>
-    <p:spTree>
-      <p:nvGrpSpPr>
-        <p:cNvPr id="1" name=""/>
-        <p:cNvGrpSpPr/>
-        <p:nvPr/>
-      </p:nvGrpSpPr>
-      <p:grpSpPr>
-        <a:xfrm>
-          <a:off x="0" y="0"/>
-          <a:ext cx="0" cy="0"/>
-          <a:chOff x="0" y="0"/>
-          <a:chExt cx="0" cy="0"/>
-        </a:xfrm>
-      </p:grpSpPr>
-      <p:sp>
-        <p:nvSpPr>
-          <p:cNvPr id="2" name="TextBox 1"/>
-          <p:cNvSpPr txBox="1"/>
-          <p:nvPr/>
-        </p:nvSpPr>
-        <p:spPr>
-          <a:xfrm>
-            <a:off x="457200" y="274320"/>
-            <a:ext cx="8229600" cy="731520"/>
-          </a:xfrm>
-          <a:prstGeom prst="rect">
-            <a:avLst/>
-          </a:prstGeom>
-          <a:noFill/>
-        </p:spPr>
-        <p:txBody>
-          <a:bodyPr wrap="none">
-            <a:spAutoFit/>
-          </a:bodyPr>
-          <a:lstStyle/>
-          <a:p>
-            <a:pPr>
-              <a:defRPr sz="4400" b="1">
-                <a:solidFill>
-                  <a:srgbClr val="D32F2F"/>
-                </a:solidFill>
-              </a:defRPr>
-            </a:pPr>
-            <a:r>
-              <a:t>Store Listing Details</a:t>
-            </a:r>
-          </a:p>
-        </p:txBody>
-      </p:sp>
-      <p:sp>
-        <p:nvSpPr>
-          <p:cNvPr id="3" name="TextBox 2"/>
-          <p:cNvSpPr txBox="1"/>
-          <p:nvPr/>
-        </p:nvSpPr>
-        <p:spPr>
-          <a:xfrm>
-            <a:off x="914400" y="1188720"/>
-            <a:ext cx="7772400" cy="5029200"/>
-          </a:xfrm>
-          <a:prstGeom prst="rect">
-            <a:avLst/>
-          </a:prstGeom>
-          <a:noFill/>
-        </p:spPr>
-        <p:txBody>
-          <a:bodyPr wrap="square">
-            <a:spAutoFit/>
-          </a:bodyPr>
-          <a:lstStyle/>
-          <a:p>
-            <a:pPr>
-              <a:spcBef>
-                <a:spcPts val="800"/>
-              </a:spcBef>
-              <a:spcAft>
-                <a:spcPts val="800"/>
-              </a:spcAft>
-              <a:defRPr sz="2000">
-                <a:solidFill>
-                  <a:srgbClr val="3C3C3C"/>
-                </a:solidFill>
-              </a:defRPr>
-            </a:pPr>
-            <a:r>
-              <a:t>📝 Title: YouTube Notes</a:t>
-            </a:r>
-          </a:p>
-          <a:p>
-            <a:pPr>
-              <a:spcBef>
-                <a:spcPts val="800"/>
-              </a:spcBef>
-              <a:spcAft>
-                <a:spcPts val="800"/>
-              </a:spcAft>
-              <a:defRPr sz="2000">
-                <a:solidFill>
-                  <a:srgbClr val="3C3C3C"/>
-                </a:solidFill>
-              </a:defRPr>
-            </a:pPr>
-            <a:r>
-              <a:t>📝 Short Description: Save YouTube info with tags</a:t>
-            </a:r>
-          </a:p>
-          <a:p>
-            <a:pPr>
-              <a:spcBef>
-                <a:spcPts val="800"/>
-              </a:spcBef>
-              <a:spcAft>
-                <a:spcPts val="800"/>
-              </a:spcAft>
-              <a:defRPr sz="2000">
-                <a:solidFill>
-                  <a:srgbClr val="3C3C3C"/>
-                </a:solidFill>
-              </a:defRPr>
-            </a:pPr>
-            <a:r>
-              <a:t>📝 Detailed Description: Full feature overview</a:t>
-            </a:r>
-          </a:p>
-          <a:p>
-            <a:pPr>
-              <a:spcBef>
-                <a:spcPts val="800"/>
-              </a:spcBef>
-              <a:spcAft>
-                <a:spcPts val="800"/>
-              </a:spcAft>
-              <a:defRPr sz="2000">
-                <a:solidFill>
-                  <a:srgbClr val="3C3C3C"/>
-                </a:solidFill>
-              </a:defRPr>
-            </a:pPr>
-            <a:r>
-              <a:t>📝 Category: Productivity</a:t>
-            </a:r>
-          </a:p>
-          <a:p>
-            <a:pPr>
-              <a:spcBef>
-                <a:spcPts val="800"/>
-              </a:spcBef>
-              <a:spcAft>
-                <a:spcPts val="800"/>
-              </a:spcAft>
-              <a:defRPr sz="2000">
-                <a:solidFill>
-                  <a:srgbClr val="3C3C3C"/>
-                </a:solidFill>
-              </a:defRPr>
-            </a:pPr>
-            <a:r>
-              <a:t>📝 Language: English (also Korean for international)</a:t>
-            </a:r>
-          </a:p>
-          <a:p>
-            <a:pPr>
-              <a:spcBef>
-                <a:spcPts val="800"/>
-              </a:spcBef>
-              <a:spcAft>
-                <a:spcPts val="800"/>
-              </a:spcAft>
-              <a:defRPr sz="2000">
-                <a:solidFill>
-                  <a:srgbClr val="3C3C3C"/>
-                </a:solidFill>
-              </a:defRPr>
-            </a:pPr>
-            <a:r>
-              <a:t>📝 Support email: Your contact email</a:t>
-            </a:r>
-          </a:p>
-        </p:txBody>
-      </p:sp>
-    </p:spTree>
-  </p:cSld>
-  <p:clrMapOvr>
-    <a:masterClrMapping/>
-  </p:clrMapOvr>
 </p:sld>
 </file>
 
@@ -5567,7 +5340,7 @@
               </a:defRPr>
             </a:pPr>
             <a:r>
-              <a:t>Privacy &amp; Compliance Declaration</a:t>
+              <a:t>Submission Process</a:t>
             </a:r>
           </a:p>
         </p:txBody>
@@ -5608,98 +5381,182 @@
               </a:defRPr>
             </a:pPr>
             <a:r>
-              <a:t>✅ No remote code usage</a:t>
-            </a:r>
-          </a:p>
-          <a:p>
-            <a:pPr>
-              <a:spcBef>
-                <a:spcPts val="800"/>
-              </a:spcBef>
-              <a:spcAft>
-                <a:spcPts val="800"/>
-              </a:spcAft>
-              <a:defRPr sz="2000">
-                <a:solidFill>
-                  <a:srgbClr val="3C3C3C"/>
-                </a:solidFill>
-              </a:defRPr>
-            </a:pPr>
-            <a:r>
-              <a:t>✅ No user data collection (local only)</a:t>
-            </a:r>
-          </a:p>
-          <a:p>
-            <a:pPr>
-              <a:spcBef>
-                <a:spcPts val="800"/>
-              </a:spcBef>
-              <a:spcAft>
-                <a:spcPts val="800"/>
-              </a:spcAft>
-              <a:defRPr sz="2000">
-                <a:solidFill>
-                  <a:srgbClr val="3C3C3C"/>
-                </a:solidFill>
-              </a:defRPr>
-            </a:pPr>
-            <a:r>
-              <a:t>✅ No third-party data sharing</a:t>
-            </a:r>
-          </a:p>
-          <a:p>
-            <a:pPr>
-              <a:spcBef>
-                <a:spcPts val="800"/>
-              </a:spcBef>
-              <a:spcAft>
-                <a:spcPts val="800"/>
-              </a:spcAft>
-              <a:defRPr sz="2000">
-                <a:solidFill>
-                  <a:srgbClr val="3C3C3C"/>
-                </a:solidFill>
-              </a:defRPr>
-            </a:pPr>
-            <a:r>
-              <a:t>✅ Honest permission requests</a:t>
-            </a:r>
-          </a:p>
-          <a:p>
-            <a:pPr>
-              <a:spcBef>
-                <a:spcPts val="800"/>
-              </a:spcBef>
-              <a:spcAft>
-                <a:spcPts val="800"/>
-              </a:spcAft>
-              <a:defRPr sz="2000">
-                <a:solidFill>
-                  <a:srgbClr val="3C3C3C"/>
-                </a:solidFill>
-              </a:defRPr>
-            </a:pPr>
-            <a:r>
-              <a:t>✅ Clear privacy policy provided</a:t>
-            </a:r>
-          </a:p>
-          <a:p>
-            <a:pPr>
-              <a:spcBef>
-                <a:spcPts val="800"/>
-              </a:spcBef>
-              <a:spcAft>
-                <a:spcPts val="800"/>
-              </a:spcAft>
-              <a:defRPr sz="2000">
-                <a:solidFill>
-                  <a:srgbClr val="3C3C3C"/>
-                </a:solidFill>
-              </a:defRPr>
-            </a:pPr>
-            <a:r>
-              <a:t>✅ All 3 policy agreements checked</a:t>
-            </a:r>
+              <a:t>1️⃣ Create new item → Upload youtube_notes_v1.0.0.zip</a:t>
+            </a:r>
+          </a:p>
+          <a:p>
+            <a:pPr>
+              <a:spcBef>
+                <a:spcPts val="800"/>
+              </a:spcBef>
+              <a:spcAft>
+                <a:spcPts val="800"/>
+              </a:spcAft>
+              <a:defRPr sz="2000">
+                <a:solidFill>
+                  <a:srgbClr val="3C3C3C"/>
+                </a:solidFill>
+              </a:defRPr>
+            </a:pPr>
+            <a:r>
+              <a:t>2️⃣ Fill basic info: Name, Description, Category</a:t>
+            </a:r>
+          </a:p>
+          <a:p>
+            <a:pPr>
+              <a:spcBef>
+                <a:spcPts val="800"/>
+              </a:spcBef>
+              <a:spcAft>
+                <a:spcPts val="800"/>
+              </a:spcAft>
+              <a:defRPr sz="2000">
+                <a:solidFill>
+                  <a:srgbClr val="3C3C3C"/>
+                </a:solidFill>
+              </a:defRPr>
+            </a:pPr>
+            <a:r>
+              <a:t>3️⃣ Upload icon (128x128) &amp; promo tiles (440x280)</a:t>
+            </a:r>
+          </a:p>
+          <a:p>
+            <a:pPr>
+              <a:spcBef>
+                <a:spcPts val="800"/>
+              </a:spcBef>
+              <a:spcAft>
+                <a:spcPts val="800"/>
+              </a:spcAft>
+              <a:defRPr sz="2000">
+                <a:solidFill>
+                  <a:srgbClr val="3C3C3C"/>
+                </a:solidFill>
+              </a:defRPr>
+            </a:pPr>
+            <a:r>
+              <a:t>4️⃣ Add 1-2 screenshots (1280x800 recommended)</a:t>
+            </a:r>
+          </a:p>
+          <a:p>
+            <a:pPr>
+              <a:spcBef>
+                <a:spcPts val="800"/>
+              </a:spcBef>
+              <a:spcAft>
+                <a:spcPts val="800"/>
+              </a:spcAft>
+              <a:defRPr sz="2000">
+                <a:solidFill>
+                  <a:srgbClr val="3C3C3C"/>
+                </a:solidFill>
+              </a:defRPr>
+            </a:pPr>
+            <a:r>
+              <a:t>5️⃣ Set language (English, Korean, etc)</a:t>
+            </a:r>
+          </a:p>
+          <a:p>
+            <a:pPr>
+              <a:spcBef>
+                <a:spcPts val="800"/>
+              </a:spcBef>
+              <a:spcAft>
+                <a:spcPts val="800"/>
+              </a:spcAft>
+              <a:defRPr sz="2000">
+                <a:solidFill>
+                  <a:srgbClr val="3C3C3C"/>
+                </a:solidFill>
+              </a:defRPr>
+            </a:pPr>
+            <a:r>
+              <a:t>6️⃣ Save Draft → Click Publish</a:t>
+            </a:r>
+          </a:p>
+        </p:txBody>
+      </p:sp>
+      <p:sp>
+        <p:nvSpPr>
+          <p:cNvPr id="4" name="TextBox 3"/>
+          <p:cNvSpPr txBox="1"/>
+          <p:nvPr/>
+        </p:nvSpPr>
+        <p:spPr>
+          <a:xfrm>
+            <a:off x="6801956" y="2731401"/>
+            <a:ext cx="2036840" cy="369332"/>
+          </a:xfrm>
+          <a:prstGeom prst="rect">
+            <a:avLst/>
+          </a:prstGeom>
+          <a:noFill/>
+        </p:spPr>
+        <p:txBody>
+          <a:bodyPr wrap="none" rtlCol="0">
+            <a:spAutoFit/>
+          </a:bodyPr>
+          <a:lstStyle/>
+          <a:p>
+            <a:r>
+              <a:rPr lang="en-US" altLang="ko-KR" dirty="0" smtClean="0">
+                <a:solidFill>
+                  <a:srgbClr val="0070C0"/>
+                </a:solidFill>
+              </a:rPr>
+              <a:t>Register Screenshot</a:t>
+            </a:r>
+            <a:endParaRPr lang="ko-KR" altLang="en-US" dirty="0">
+              <a:solidFill>
+                <a:srgbClr val="0070C0"/>
+              </a:solidFill>
+            </a:endParaRPr>
+          </a:p>
+        </p:txBody>
+      </p:sp>
+      <p:sp>
+        <p:nvSpPr>
+          <p:cNvPr id="5" name="TextBox 4"/>
+          <p:cNvSpPr txBox="1"/>
+          <p:nvPr/>
+        </p:nvSpPr>
+        <p:spPr>
+          <a:xfrm>
+            <a:off x="6076335" y="3283613"/>
+            <a:ext cx="1707519" cy="369332"/>
+          </a:xfrm>
+          <a:prstGeom prst="rect">
+            <a:avLst/>
+          </a:prstGeom>
+          <a:noFill/>
+        </p:spPr>
+        <p:txBody>
+          <a:bodyPr wrap="none" rtlCol="0">
+            <a:spAutoFit/>
+          </a:bodyPr>
+          <a:lstStyle/>
+          <a:p>
+            <a:r>
+              <a:rPr lang="en-US" altLang="ko-KR" dirty="0" smtClean="0">
+                <a:solidFill>
+                  <a:srgbClr val="0070C0"/>
+                </a:solidFill>
+              </a:rPr>
+              <a:t>Use only </a:t>
+            </a:r>
+            <a:r>
+              <a:rPr lang="en-US" altLang="ko-KR" dirty="0" err="1" smtClean="0">
+                <a:solidFill>
+                  <a:srgbClr val="0070C0"/>
+                </a:solidFill>
+              </a:rPr>
+              <a:t>english</a:t>
+            </a:r>
+            <a:endParaRPr lang="ko-KR" altLang="en-US" dirty="0">
+              <a:solidFill>
+                <a:srgbClr val="0070C0"/>
+              </a:solidFill>
+            </a:endParaRPr>
           </a:p>
         </p:txBody>
       </p:sp>
@@ -5766,7 +5623,7 @@
               </a:defRPr>
             </a:pPr>
             <a:r>
-              <a:t>Chrome Web Store Review</a:t>
+              <a:t>Store Listing Details</a:t>
             </a:r>
           </a:p>
         </p:txBody>
@@ -5807,79 +5664,97 @@
               </a:defRPr>
             </a:pPr>
             <a:r>
-              <a:t>⏳ Review Duration: 1-3 days (usually)</a:t>
-            </a:r>
-          </a:p>
-          <a:p>
-            <a:pPr>
-              <a:spcBef>
-                <a:spcPts val="800"/>
-              </a:spcBef>
-              <a:spcAft>
-                <a:spcPts val="800"/>
-              </a:spcAft>
-              <a:defRPr sz="2000">
-                <a:solidFill>
-                  <a:srgbClr val="3C3C3C"/>
-                </a:solidFill>
-              </a:defRPr>
-            </a:pPr>
-            <a:r>
-              <a:t>🔍 Automated Checks: Malware, code analysis</a:t>
-            </a:r>
-          </a:p>
-          <a:p>
-            <a:pPr>
-              <a:spcBef>
-                <a:spcPts val="800"/>
-              </a:spcBef>
-              <a:spcAft>
-                <a:spcPts val="800"/>
-              </a:spcAft>
-              <a:defRPr sz="2000">
-                <a:solidFill>
-                  <a:srgbClr val="3C3C3C"/>
-                </a:solidFill>
-              </a:defRPr>
-            </a:pPr>
-            <a:r>
-              <a:t>👥 Manual Review: Functionality &amp; policy compliance</a:t>
-            </a:r>
-          </a:p>
-          <a:p>
-            <a:pPr>
-              <a:spcBef>
-                <a:spcPts val="800"/>
-              </a:spcBef>
-              <a:spcAft>
-                <a:spcPts val="800"/>
-              </a:spcAft>
-              <a:defRPr sz="2000">
-                <a:solidFill>
-                  <a:srgbClr val="3C3C3C"/>
-                </a:solidFill>
-              </a:defRPr>
-            </a:pPr>
-            <a:r>
-              <a:t>⚠️ Host permission = In-depth review (but approved if justified)</a:t>
-            </a:r>
-          </a:p>
-          <a:p>
-            <a:pPr>
-              <a:spcBef>
-                <a:spcPts val="800"/>
-              </a:spcBef>
-              <a:spcAft>
-                <a:spcPts val="800"/>
-              </a:spcAft>
-              <a:defRPr sz="2000">
-                <a:solidFill>
-                  <a:srgbClr val="3C3C3C"/>
-                </a:solidFill>
-              </a:defRPr>
-            </a:pPr>
-            <a:r>
-              <a:t>📧 Notification via email when approved/rejected</a:t>
+              <a:t>📝 Title: YouTube Notes</a:t>
+            </a:r>
+          </a:p>
+          <a:p>
+            <a:pPr>
+              <a:spcBef>
+                <a:spcPts val="800"/>
+              </a:spcBef>
+              <a:spcAft>
+                <a:spcPts val="800"/>
+              </a:spcAft>
+              <a:defRPr sz="2000">
+                <a:solidFill>
+                  <a:srgbClr val="3C3C3C"/>
+                </a:solidFill>
+              </a:defRPr>
+            </a:pPr>
+            <a:r>
+              <a:t>📝 Short Description: Save YouTube info with tags</a:t>
+            </a:r>
+          </a:p>
+          <a:p>
+            <a:pPr>
+              <a:spcBef>
+                <a:spcPts val="800"/>
+              </a:spcBef>
+              <a:spcAft>
+                <a:spcPts val="800"/>
+              </a:spcAft>
+              <a:defRPr sz="2000">
+                <a:solidFill>
+                  <a:srgbClr val="3C3C3C"/>
+                </a:solidFill>
+              </a:defRPr>
+            </a:pPr>
+            <a:r>
+              <a:t>📝 Detailed Description: Full feature overview</a:t>
+            </a:r>
+          </a:p>
+          <a:p>
+            <a:pPr>
+              <a:spcBef>
+                <a:spcPts val="800"/>
+              </a:spcBef>
+              <a:spcAft>
+                <a:spcPts val="800"/>
+              </a:spcAft>
+              <a:defRPr sz="2000">
+                <a:solidFill>
+                  <a:srgbClr val="3C3C3C"/>
+                </a:solidFill>
+              </a:defRPr>
+            </a:pPr>
+            <a:r>
+              <a:t>📝 Category: Productivity</a:t>
+            </a:r>
+          </a:p>
+          <a:p>
+            <a:pPr>
+              <a:spcBef>
+                <a:spcPts val="800"/>
+              </a:spcBef>
+              <a:spcAft>
+                <a:spcPts val="800"/>
+              </a:spcAft>
+              <a:defRPr sz="2000">
+                <a:solidFill>
+                  <a:srgbClr val="3C3C3C"/>
+                </a:solidFill>
+              </a:defRPr>
+            </a:pPr>
+            <a:r>
+              <a:t>📝 Language: English (also Korean for international)</a:t>
+            </a:r>
+          </a:p>
+          <a:p>
+            <a:pPr>
+              <a:spcBef>
+                <a:spcPts val="800"/>
+              </a:spcBef>
+              <a:spcAft>
+                <a:spcPts val="800"/>
+              </a:spcAft>
+              <a:defRPr sz="2000">
+                <a:solidFill>
+                  <a:srgbClr val="3C3C3C"/>
+                </a:solidFill>
+              </a:defRPr>
+            </a:pPr>
+            <a:r>
+              <a:t>📝 Support email: Your contact email</a:t>
             </a:r>
           </a:p>
         </p:txBody>
@@ -5947,7 +5822,7 @@
               </a:defRPr>
             </a:pPr>
             <a:r>
-              <a:t>After Approval ✅</a:t>
+              <a:t>Privacy &amp; Compliance Declaration</a:t>
             </a:r>
           </a:p>
         </p:txBody>
@@ -5988,79 +5863,97 @@
               </a:defRPr>
             </a:pPr>
             <a:r>
-              <a:t>🎉 Extension goes live on Chrome Web Store</a:t>
-            </a:r>
-          </a:p>
-          <a:p>
-            <a:pPr>
-              <a:spcBef>
-                <a:spcPts val="800"/>
-              </a:spcBef>
-              <a:spcAft>
-                <a:spcPts val="800"/>
-              </a:spcAft>
-              <a:defRPr sz="2000">
-                <a:solidFill>
-                  <a:srgbClr val="3C3C3C"/>
-                </a:solidFill>
-              </a:defRPr>
-            </a:pPr>
-            <a:r>
-              <a:t>🔍 Users can search: 'YouTube Notes'</a:t>
-            </a:r>
-          </a:p>
-          <a:p>
-            <a:pPr>
-              <a:spcBef>
-                <a:spcPts val="800"/>
-              </a:spcBef>
-              <a:spcAft>
-                <a:spcPts val="800"/>
-              </a:spcAft>
-              <a:defRPr sz="2000">
-                <a:solidFill>
-                  <a:srgbClr val="3C3C3C"/>
-                </a:solidFill>
-              </a:defRPr>
-            </a:pPr>
-            <a:r>
-              <a:t>⭐ Users can rate &amp; review your extension</a:t>
-            </a:r>
-          </a:p>
-          <a:p>
-            <a:pPr>
-              <a:spcBef>
-                <a:spcPts val="800"/>
-              </a:spcBef>
-              <a:spcAft>
-                <a:spcPts val="800"/>
-              </a:spcAft>
-              <a:defRPr sz="2000">
-                <a:solidFill>
-                  <a:srgbClr val="3C3C3C"/>
-                </a:solidFill>
-              </a:defRPr>
-            </a:pPr>
-            <a:r>
-              <a:t>📊 View analytics: Users, ratings, crashes</a:t>
-            </a:r>
-          </a:p>
-          <a:p>
-            <a:pPr>
-              <a:spcBef>
-                <a:spcPts val="800"/>
-              </a:spcBef>
-              <a:spcAft>
-                <a:spcPts val="800"/>
-              </a:spcAft>
-              <a:defRPr sz="2000">
-                <a:solidFill>
-                  <a:srgbClr val="3C3C3C"/>
-                </a:solidFill>
-              </a:defRPr>
-            </a:pPr>
-            <a:r>
-              <a:t>🔄 Update extension: Upload new .zip, increase version</a:t>
+              <a:t>✅ No remote code usage</a:t>
+            </a:r>
+          </a:p>
+          <a:p>
+            <a:pPr>
+              <a:spcBef>
+                <a:spcPts val="800"/>
+              </a:spcBef>
+              <a:spcAft>
+                <a:spcPts val="800"/>
+              </a:spcAft>
+              <a:defRPr sz="2000">
+                <a:solidFill>
+                  <a:srgbClr val="3C3C3C"/>
+                </a:solidFill>
+              </a:defRPr>
+            </a:pPr>
+            <a:r>
+              <a:t>✅ No user data collection (local only)</a:t>
+            </a:r>
+          </a:p>
+          <a:p>
+            <a:pPr>
+              <a:spcBef>
+                <a:spcPts val="800"/>
+              </a:spcBef>
+              <a:spcAft>
+                <a:spcPts val="800"/>
+              </a:spcAft>
+              <a:defRPr sz="2000">
+                <a:solidFill>
+                  <a:srgbClr val="3C3C3C"/>
+                </a:solidFill>
+              </a:defRPr>
+            </a:pPr>
+            <a:r>
+              <a:t>✅ No third-party data sharing</a:t>
+            </a:r>
+          </a:p>
+          <a:p>
+            <a:pPr>
+              <a:spcBef>
+                <a:spcPts val="800"/>
+              </a:spcBef>
+              <a:spcAft>
+                <a:spcPts val="800"/>
+              </a:spcAft>
+              <a:defRPr sz="2000">
+                <a:solidFill>
+                  <a:srgbClr val="3C3C3C"/>
+                </a:solidFill>
+              </a:defRPr>
+            </a:pPr>
+            <a:r>
+              <a:t>✅ Honest permission requests</a:t>
+            </a:r>
+          </a:p>
+          <a:p>
+            <a:pPr>
+              <a:spcBef>
+                <a:spcPts val="800"/>
+              </a:spcBef>
+              <a:spcAft>
+                <a:spcPts val="800"/>
+              </a:spcAft>
+              <a:defRPr sz="2000">
+                <a:solidFill>
+                  <a:srgbClr val="3C3C3C"/>
+                </a:solidFill>
+              </a:defRPr>
+            </a:pPr>
+            <a:r>
+              <a:t>✅ Clear privacy policy provided</a:t>
+            </a:r>
+          </a:p>
+          <a:p>
+            <a:pPr>
+              <a:spcBef>
+                <a:spcPts val="800"/>
+              </a:spcBef>
+              <a:spcAft>
+                <a:spcPts val="800"/>
+              </a:spcAft>
+              <a:defRPr sz="2000">
+                <a:solidFill>
+                  <a:srgbClr val="3C3C3C"/>
+                </a:solidFill>
+              </a:defRPr>
+            </a:pPr>
+            <a:r>
+              <a:t>✅ All 3 policy agreements checked</a:t>
             </a:r>
           </a:p>
         </p:txBody>
@@ -6128,7 +6021,7 @@
               </a:defRPr>
             </a:pPr>
             <a:r>
-              <a:t>Updates &amp; Maintenance</a:t>
+              <a:t>Chrome Web Store Review</a:t>
             </a:r>
           </a:p>
         </p:txBody>
@@ -6169,97 +6062,79 @@
               </a:defRPr>
             </a:pPr>
             <a:r>
-              <a:t>1️⃣ Increase version in manifest.json (e.g., 1.0.1)</a:t>
-            </a:r>
-          </a:p>
-          <a:p>
-            <a:pPr>
-              <a:spcBef>
-                <a:spcPts val="800"/>
-              </a:spcBef>
-              <a:spcAft>
-                <a:spcPts val="800"/>
-              </a:spcAft>
-              <a:defRPr sz="2000">
-                <a:solidFill>
-                  <a:srgbClr val="3C3C3C"/>
-                </a:solidFill>
-              </a:defRPr>
-            </a:pPr>
-            <a:r>
-              <a:t>2️⃣ Update files (popup.js, etc)</a:t>
-            </a:r>
-          </a:p>
-          <a:p>
-            <a:pPr>
-              <a:spcBef>
-                <a:spcPts val="800"/>
-              </a:spcBef>
-              <a:spcAft>
-                <a:spcPts val="800"/>
-              </a:spcAft>
-              <a:defRPr sz="2000">
-                <a:solidFill>
-                  <a:srgbClr val="3C3C3C"/>
-                </a:solidFill>
-              </a:defRPr>
-            </a:pPr>
-            <a:r>
-              <a:t>3️⃣ Re-zip and upload to store</a:t>
-            </a:r>
-          </a:p>
-          <a:p>
-            <a:pPr>
-              <a:spcBef>
-                <a:spcPts val="800"/>
-              </a:spcBef>
-              <a:spcAft>
-                <a:spcPts val="800"/>
-              </a:spcAft>
-              <a:defRPr sz="2000">
-                <a:solidFill>
-                  <a:srgbClr val="3C3C3C"/>
-                </a:solidFill>
-              </a:defRPr>
-            </a:pPr>
-            <a:r>
-              <a:t>4️⃣ Write release notes for update</a:t>
-            </a:r>
-          </a:p>
-          <a:p>
-            <a:pPr>
-              <a:spcBef>
-                <a:spcPts val="800"/>
-              </a:spcBef>
-              <a:spcAft>
-                <a:spcPts val="800"/>
-              </a:spcAft>
-              <a:defRPr sz="2000">
-                <a:solidFill>
-                  <a:srgbClr val="3C3C3C"/>
-                </a:solidFill>
-              </a:defRPr>
-            </a:pPr>
-            <a:r>
-              <a:t>5️⃣ Monitor user reviews &amp; feedback</a:t>
-            </a:r>
-          </a:p>
-          <a:p>
-            <a:pPr>
-              <a:spcBef>
-                <a:spcPts val="800"/>
-              </a:spcBef>
-              <a:spcAft>
-                <a:spcPts val="800"/>
-              </a:spcAft>
-              <a:defRPr sz="2000">
-                <a:solidFill>
-                  <a:srgbClr val="3C3C3C"/>
-                </a:solidFill>
-              </a:defRPr>
-            </a:pPr>
-            <a:r>
-              <a:t>6️⃣ Plan next features based on feedback</a:t>
+              <a:t>⏳ Review Duration: 1-3 days (usually)</a:t>
+            </a:r>
+          </a:p>
+          <a:p>
+            <a:pPr>
+              <a:spcBef>
+                <a:spcPts val="800"/>
+              </a:spcBef>
+              <a:spcAft>
+                <a:spcPts val="800"/>
+              </a:spcAft>
+              <a:defRPr sz="2000">
+                <a:solidFill>
+                  <a:srgbClr val="3C3C3C"/>
+                </a:solidFill>
+              </a:defRPr>
+            </a:pPr>
+            <a:r>
+              <a:t>🔍 Automated Checks: Malware, code analysis</a:t>
+            </a:r>
+          </a:p>
+          <a:p>
+            <a:pPr>
+              <a:spcBef>
+                <a:spcPts val="800"/>
+              </a:spcBef>
+              <a:spcAft>
+                <a:spcPts val="800"/>
+              </a:spcAft>
+              <a:defRPr sz="2000">
+                <a:solidFill>
+                  <a:srgbClr val="3C3C3C"/>
+                </a:solidFill>
+              </a:defRPr>
+            </a:pPr>
+            <a:r>
+              <a:t>👥 Manual Review: Functionality &amp; policy compliance</a:t>
+            </a:r>
+          </a:p>
+          <a:p>
+            <a:pPr>
+              <a:spcBef>
+                <a:spcPts val="800"/>
+              </a:spcBef>
+              <a:spcAft>
+                <a:spcPts val="800"/>
+              </a:spcAft>
+              <a:defRPr sz="2000">
+                <a:solidFill>
+                  <a:srgbClr val="3C3C3C"/>
+                </a:solidFill>
+              </a:defRPr>
+            </a:pPr>
+            <a:r>
+              <a:t>⚠️ Host permission = In-depth review (but approved if justified)</a:t>
+            </a:r>
+          </a:p>
+          <a:p>
+            <a:pPr>
+              <a:spcBef>
+                <a:spcPts val="800"/>
+              </a:spcBef>
+              <a:spcAft>
+                <a:spcPts val="800"/>
+              </a:spcAft>
+              <a:defRPr sz="2000">
+                <a:solidFill>
+                  <a:srgbClr val="3C3C3C"/>
+                </a:solidFill>
+              </a:defRPr>
+            </a:pPr>
+            <a:r>
+              <a:t>📧 Notification via email when approved/rejected</a:t>
             </a:r>
           </a:p>
         </p:txBody>
@@ -6327,7 +6202,7 @@
               </a:defRPr>
             </a:pPr>
             <a:r>
-              <a:t>Best Practices Going Forward</a:t>
+              <a:t>After Approval ✅</a:t>
             </a:r>
           </a:p>
         </p:txBody>
@@ -6368,97 +6243,79 @@
               </a:defRPr>
             </a:pPr>
             <a:r>
-              <a:t>🛡️ Security: Never store sensitive data externally</a:t>
-            </a:r>
-          </a:p>
-          <a:p>
-            <a:pPr>
-              <a:spcBef>
-                <a:spcPts val="800"/>
-              </a:spcBef>
-              <a:spcAft>
-                <a:spcPts val="800"/>
-              </a:spcAft>
-              <a:defRPr sz="2000">
-                <a:solidFill>
-                  <a:srgbClr val="3C3C3C"/>
-                </a:solidFill>
-              </a:defRPr>
-            </a:pPr>
-            <a:r>
-              <a:t>⚡ Performance: Minimize background processes</a:t>
-            </a:r>
-          </a:p>
-          <a:p>
-            <a:pPr>
-              <a:spcBef>
-                <a:spcPts val="800"/>
-              </a:spcBef>
-              <a:spcAft>
-                <a:spcPts val="800"/>
-              </a:spcAft>
-              <a:defRPr sz="2000">
-                <a:solidFill>
-                  <a:srgbClr val="3C3C3C"/>
-                </a:solidFill>
-              </a:defRPr>
-            </a:pPr>
-            <a:r>
-              <a:t>👤 UX: Keep interface simple &amp; intuitive</a:t>
-            </a:r>
-          </a:p>
-          <a:p>
-            <a:pPr>
-              <a:spcBef>
-                <a:spcPts val="800"/>
-              </a:spcBef>
-              <a:spcAft>
-                <a:spcPts val="800"/>
-              </a:spcAft>
-              <a:defRPr sz="2000">
-                <a:solidFill>
-                  <a:srgbClr val="3C3C3C"/>
-                </a:solidFill>
-              </a:defRPr>
-            </a:pPr>
-            <a:r>
-              <a:t>📱 Compatibility: Test on different Chrome versions</a:t>
-            </a:r>
-          </a:p>
-          <a:p>
-            <a:pPr>
-              <a:spcBef>
-                <a:spcPts val="800"/>
-              </a:spcBef>
-              <a:spcAft>
-                <a:spcPts val="800"/>
-              </a:spcAft>
-              <a:defRPr sz="2000">
-                <a:solidFill>
-                  <a:srgbClr val="3C3C3C"/>
-                </a:solidFill>
-              </a:defRPr>
-            </a:pPr>
-            <a:r>
-              <a:t>📢 Marketing: Promote on GitHub, forums, Twitter</a:t>
-            </a:r>
-          </a:p>
-          <a:p>
-            <a:pPr>
-              <a:spcBef>
-                <a:spcPts val="800"/>
-              </a:spcBef>
-              <a:spcAft>
-                <a:spcPts val="800"/>
-              </a:spcAft>
-              <a:defRPr sz="2000">
-                <a:solidFill>
-                  <a:srgbClr val="3C3C3C"/>
-                </a:solidFill>
-              </a:defRPr>
-            </a:pPr>
-            <a:r>
-              <a:t>💬 Support: Respond to user issues promptly</a:t>
+              <a:t>🎉 Extension goes live on Chrome Web Store</a:t>
+            </a:r>
+          </a:p>
+          <a:p>
+            <a:pPr>
+              <a:spcBef>
+                <a:spcPts val="800"/>
+              </a:spcBef>
+              <a:spcAft>
+                <a:spcPts val="800"/>
+              </a:spcAft>
+              <a:defRPr sz="2000">
+                <a:solidFill>
+                  <a:srgbClr val="3C3C3C"/>
+                </a:solidFill>
+              </a:defRPr>
+            </a:pPr>
+            <a:r>
+              <a:t>🔍 Users can search: 'YouTube Notes'</a:t>
+            </a:r>
+          </a:p>
+          <a:p>
+            <a:pPr>
+              <a:spcBef>
+                <a:spcPts val="800"/>
+              </a:spcBef>
+              <a:spcAft>
+                <a:spcPts val="800"/>
+              </a:spcAft>
+              <a:defRPr sz="2000">
+                <a:solidFill>
+                  <a:srgbClr val="3C3C3C"/>
+                </a:solidFill>
+              </a:defRPr>
+            </a:pPr>
+            <a:r>
+              <a:t>⭐ Users can rate &amp; review your extension</a:t>
+            </a:r>
+          </a:p>
+          <a:p>
+            <a:pPr>
+              <a:spcBef>
+                <a:spcPts val="800"/>
+              </a:spcBef>
+              <a:spcAft>
+                <a:spcPts val="800"/>
+              </a:spcAft>
+              <a:defRPr sz="2000">
+                <a:solidFill>
+                  <a:srgbClr val="3C3C3C"/>
+                </a:solidFill>
+              </a:defRPr>
+            </a:pPr>
+            <a:r>
+              <a:t>📊 View analytics: Users, ratings, crashes</a:t>
+            </a:r>
+          </a:p>
+          <a:p>
+            <a:pPr>
+              <a:spcBef>
+                <a:spcPts val="800"/>
+              </a:spcBef>
+              <a:spcAft>
+                <a:spcPts val="800"/>
+              </a:spcAft>
+              <a:defRPr sz="2000">
+                <a:solidFill>
+                  <a:srgbClr val="3C3C3C"/>
+                </a:solidFill>
+              </a:defRPr>
+            </a:pPr>
+            <a:r>
+              <a:t>🔄 Update extension: Upload new .zip, increase version</a:t>
             </a:r>
           </a:p>
         </p:txBody>
@@ -6474,14 +6331,6 @@
 <file path=ppt/slides/slide2.xml><?xml version="1.0" encoding="utf-8"?>
 <p:sld xmlns:a="http://schemas.openxmlformats.org/drawingml/2006/main" xmlns:r="http://schemas.openxmlformats.org/officeDocument/2006/relationships" xmlns:p="http://schemas.openxmlformats.org/presentationml/2006/main">
   <p:cSld>
-    <p:bg>
-      <p:bgPr>
-        <a:solidFill>
-          <a:srgbClr val="FFFFFF"/>
-        </a:solidFill>
-        <a:effectLst/>
-      </p:bgPr>
-    </p:bg>
     <p:spTree>
       <p:nvGrpSpPr>
         <p:cNvPr id="1" name=""/>
@@ -6496,212 +6345,80 @@
           <a:chExt cx="0" cy="0"/>
         </a:xfrm>
       </p:grpSpPr>
-      <p:sp>
-        <p:nvSpPr>
-          <p:cNvPr id="2" name="TextBox 1"/>
-          <p:cNvSpPr txBox="1"/>
+      <p:pic>
+        <p:nvPicPr>
+          <p:cNvPr id="2" name="그림 1"/>
+          <p:cNvPicPr>
+            <a:picLocks noChangeAspect="1"/>
+          </p:cNvPicPr>
           <p:nvPr/>
-        </p:nvSpPr>
+        </p:nvPicPr>
+        <p:blipFill>
+          <a:blip r:embed="rId2"/>
+          <a:stretch>
+            <a:fillRect/>
+          </a:stretch>
+        </p:blipFill>
         <p:spPr>
           <a:xfrm>
-            <a:off x="457200" y="274320"/>
-            <a:ext cx="8229600" cy="731520"/>
+            <a:off x="772816" y="1065009"/>
+            <a:ext cx="7561323" cy="4500572"/>
+          </a:xfrm>
+          <a:prstGeom prst="rect">
+            <a:avLst/>
+          </a:prstGeom>
+        </p:spPr>
+      </p:pic>
+      <p:sp>
+        <p:nvSpPr>
+          <p:cNvPr id="3" name="직사각형 2"/>
+          <p:cNvSpPr/>
+          <p:nvPr/>
+        </p:nvSpPr>
+        <p:spPr>
+          <a:xfrm>
+            <a:off x="6082235" y="1286059"/>
+            <a:ext cx="2251904" cy="3421626"/>
           </a:xfrm>
           <a:prstGeom prst="rect">
             <a:avLst/>
           </a:prstGeom>
           <a:noFill/>
+          <a:ln w="28575">
+            <a:solidFill>
+              <a:srgbClr val="FF0000"/>
+            </a:solidFill>
+          </a:ln>
         </p:spPr>
-        <p:txBody>
-          <a:bodyPr wrap="none">
-            <a:spAutoFit/>
-          </a:bodyPr>
-          <a:lstStyle/>
-          <a:p>
-            <a:pPr>
-              <a:defRPr sz="4400" b="1">
-                <a:solidFill>
-                  <a:srgbClr val="D32F2F"/>
-                </a:solidFill>
-              </a:defRPr>
-            </a:pPr>
-            <a:r>
-              <a:t>Project Overview</a:t>
-            </a:r>
-          </a:p>
-        </p:txBody>
-      </p:sp>
-      <p:sp>
-        <p:nvSpPr>
-          <p:cNvPr id="3" name="TextBox 2"/>
-          <p:cNvSpPr txBox="1"/>
-          <p:nvPr/>
-        </p:nvSpPr>
-        <p:spPr>
-          <a:xfrm>
-            <a:off x="914400" y="1188720"/>
-            <a:ext cx="7772400" cy="5029200"/>
-          </a:xfrm>
-          <a:prstGeom prst="rect">
-            <a:avLst/>
-          </a:prstGeom>
-          <a:noFill/>
-        </p:spPr>
-        <p:txBody>
-          <a:bodyPr wrap="square">
-            <a:spAutoFit/>
-          </a:bodyPr>
-          <a:lstStyle/>
-          <a:p>
-            <a:pPr>
-              <a:spcBef>
-                <a:spcPts val="800"/>
-              </a:spcBef>
-              <a:spcAft>
-                <a:spcPts val="800"/>
-              </a:spcAft>
-              <a:defRPr sz="2000">
-                <a:solidFill>
-                  <a:srgbClr val="3C3C3C"/>
-                </a:solidFill>
-              </a:defRPr>
-            </a:pPr>
-            <a:r>
-              <a:t>📌 Extension Name: YouTube Notes</a:t>
-            </a:r>
-          </a:p>
-          <a:p>
-            <a:pPr>
-              <a:spcBef>
-                <a:spcPts val="800"/>
-              </a:spcBef>
-              <a:spcAft>
-                <a:spcPts val="800"/>
-              </a:spcAft>
-              <a:defRPr sz="2000">
-                <a:solidFill>
-                  <a:srgbClr val="3C3C3C"/>
-                </a:solidFill>
-              </a:defRPr>
-            </a:pPr>
-            <a:r>
-              <a:t>✨ Purpose: Save YouTube video info with tags, opinions &amp; export as CSV</a:t>
-            </a:r>
-          </a:p>
-          <a:p>
-            <a:pPr>
-              <a:spcBef>
-                <a:spcPts val="800"/>
-              </a:spcBef>
-              <a:spcAft>
-                <a:spcPts val="800"/>
-              </a:spcAft>
-              <a:defRPr sz="2000">
-                <a:solidFill>
-                  <a:srgbClr val="3C3C3C"/>
-                </a:solidFill>
-              </a:defRPr>
-            </a:pPr>
-            <a:r>
-              <a:t>🎯 Target Users: Students, researchers, content creators</a:t>
-            </a:r>
-          </a:p>
-          <a:p>
-            <a:pPr>
-              <a:spcBef>
-                <a:spcPts val="800"/>
-              </a:spcBef>
-              <a:spcAft>
-                <a:spcPts val="800"/>
-              </a:spcAft>
-              <a:defRPr sz="2000">
-                <a:solidFill>
-                  <a:srgbClr val="3C3C3C"/>
-                </a:solidFill>
-              </a:defRPr>
-            </a:pPr>
-            <a:r>
-              <a:t>📊 Key Features: Auto metadata extraction, tag management, CSV export</a:t>
-            </a:r>
-          </a:p>
-        </p:txBody>
-      </p:sp>
-      <p:sp>
-        <p:nvSpPr>
-          <p:cNvPr id="4" name="직사각형 3"/>
-          <p:cNvSpPr/>
-          <p:nvPr/>
-        </p:nvSpPr>
-        <p:spPr>
-          <a:xfrm>
-            <a:off x="914400" y="3967141"/>
-            <a:ext cx="6858000" cy="1200329"/>
-          </a:xfrm>
-          <a:prstGeom prst="rect">
-            <a:avLst/>
-          </a:prstGeom>
-        </p:spPr>
-        <p:txBody>
-          <a:bodyPr wrap="square">
-            <a:spAutoFit/>
-          </a:bodyPr>
-          <a:lstStyle/>
-          <a:p>
-            <a:r>
-              <a:rPr lang="en-US" altLang="ko-KR" dirty="0" err="1" smtClean="0">
-                <a:solidFill>
-                  <a:srgbClr val="0070C0"/>
-                </a:solidFill>
-              </a:rPr>
-              <a:t>Youtube</a:t>
-            </a:r>
-            <a:r>
-              <a:rPr lang="en-US" altLang="ko-KR" dirty="0" smtClean="0">
-                <a:solidFill>
-                  <a:srgbClr val="0070C0"/>
-                </a:solidFill>
-              </a:rPr>
-              <a:t> Notes extensions are partially paid.</a:t>
-            </a:r>
-          </a:p>
-          <a:p>
-            <a:endParaRPr lang="en-US" altLang="ko-KR" dirty="0">
-              <a:solidFill>
-                <a:srgbClr val="0070C0"/>
-              </a:solidFill>
-            </a:endParaRPr>
-          </a:p>
-          <a:p>
-            <a:r>
-              <a:rPr lang="en-US" altLang="ko-KR" dirty="0" smtClean="0">
-                <a:solidFill>
-                  <a:srgbClr val="0070C0"/>
-                </a:solidFill>
-              </a:rPr>
-              <a:t>Source code : </a:t>
-            </a:r>
-          </a:p>
-          <a:p>
-            <a:r>
-              <a:rPr lang="ko-KR" altLang="en-US" dirty="0" smtClean="0">
-                <a:solidFill>
-                  <a:srgbClr val="0070C0"/>
-                </a:solidFill>
-              </a:rPr>
-              <a:t>https</a:t>
-            </a:r>
-            <a:r>
-              <a:rPr lang="ko-KR" altLang="en-US" dirty="0">
-                <a:solidFill>
-                  <a:srgbClr val="0070C0"/>
-                </a:solidFill>
-              </a:rPr>
-              <a:t>://github.com/cheoljoo/youtube_notes_chrome_extension</a:t>
-            </a:r>
+        <p:style>
+          <a:lnRef idx="1">
+            <a:schemeClr val="accent1"/>
+          </a:lnRef>
+          <a:fillRef idx="3">
+            <a:schemeClr val="accent1"/>
+          </a:fillRef>
+          <a:effectRef idx="2">
+            <a:schemeClr val="accent1"/>
+          </a:effectRef>
+          <a:fontRef idx="minor">
+            <a:schemeClr val="lt1"/>
+          </a:fontRef>
+        </p:style>
+        <p:txBody>
+          <a:bodyPr rtlCol="0" anchor="ctr"/>
+          <a:lstStyle/>
+          <a:p>
+            <a:pPr algn="ctr"/>
+            <a:endParaRPr lang="ko-KR" altLang="en-US"/>
           </a:p>
         </p:txBody>
       </p:sp>
     </p:spTree>
+    <p:extLst>
+      <p:ext uri="{BB962C8B-B14F-4D97-AF65-F5344CB8AC3E}">
+        <p14:creationId xmlns:p14="http://schemas.microsoft.com/office/powerpoint/2010/main" val="540650601"/>
+      </p:ext>
+    </p:extLst>
   </p:cSld>
   <p:clrMapOvr>
     <a:masterClrMapping/>
@@ -6764,7 +6481,7 @@
               </a:defRPr>
             </a:pPr>
             <a:r>
-              <a:t>Common Issues &amp; Solutions</a:t>
+              <a:t>Updates &amp; Maintenance</a:t>
             </a:r>
           </a:p>
         </p:txBody>
@@ -6805,79 +6522,97 @@
               </a:defRPr>
             </a:pPr>
             <a:r>
-              <a:t>❌ 'Unable to publish' → Check Account tab email</a:t>
-            </a:r>
-          </a:p>
-          <a:p>
-            <a:pPr>
-              <a:spcBef>
-                <a:spcPts val="800"/>
-              </a:spcBef>
-              <a:spcAft>
-                <a:spcPts val="800"/>
-              </a:spcAft>
-              <a:defRPr sz="2000">
-                <a:solidFill>
-                  <a:srgbClr val="3C3C3C"/>
-                </a:solidFill>
-              </a:defRPr>
-            </a:pPr>
-            <a:r>
-              <a:t>❌ 'Invalid manifest' → Validate manifest.json syntax</a:t>
-            </a:r>
-          </a:p>
-          <a:p>
-            <a:pPr>
-              <a:spcBef>
-                <a:spcPts val="800"/>
-              </a:spcBef>
-              <a:spcAft>
-                <a:spcPts val="800"/>
-              </a:spcAft>
-              <a:defRPr sz="2000">
-                <a:solidFill>
-                  <a:srgbClr val="3C3C3C"/>
-                </a:solidFill>
-              </a:defRPr>
-            </a:pPr>
-            <a:r>
-              <a:t>❌ Icon issues → Ensure PNG 16x16, 48x48, 128x128</a:t>
-            </a:r>
-          </a:p>
-          <a:p>
-            <a:pPr>
-              <a:spcBef>
-                <a:spcPts val="800"/>
-              </a:spcBef>
-              <a:spcAft>
-                <a:spcPts val="800"/>
-              </a:spcAft>
-              <a:defRPr sz="2000">
-                <a:solidFill>
-                  <a:srgbClr val="3C3C3C"/>
-                </a:solidFill>
-              </a:defRPr>
-            </a:pPr>
-            <a:r>
-              <a:t>❌ Rejection → Review error message, re-submit</a:t>
-            </a:r>
-          </a:p>
-          <a:p>
-            <a:pPr>
-              <a:spcBef>
-                <a:spcPts val="800"/>
-              </a:spcBef>
-              <a:spcAft>
-                <a:spcPts val="800"/>
-              </a:spcAft>
-              <a:defRPr sz="2000">
-                <a:solidFill>
-                  <a:srgbClr val="3C3C3C"/>
-                </a:solidFill>
-              </a:defRPr>
-            </a:pPr>
-            <a:r>
-              <a:t>❌ Slow review → Check for policy violations</a:t>
+              <a:t>1️⃣ Increase version in manifest.json (e.g., 1.0.1)</a:t>
+            </a:r>
+          </a:p>
+          <a:p>
+            <a:pPr>
+              <a:spcBef>
+                <a:spcPts val="800"/>
+              </a:spcBef>
+              <a:spcAft>
+                <a:spcPts val="800"/>
+              </a:spcAft>
+              <a:defRPr sz="2000">
+                <a:solidFill>
+                  <a:srgbClr val="3C3C3C"/>
+                </a:solidFill>
+              </a:defRPr>
+            </a:pPr>
+            <a:r>
+              <a:t>2️⃣ Update files (popup.js, etc)</a:t>
+            </a:r>
+          </a:p>
+          <a:p>
+            <a:pPr>
+              <a:spcBef>
+                <a:spcPts val="800"/>
+              </a:spcBef>
+              <a:spcAft>
+                <a:spcPts val="800"/>
+              </a:spcAft>
+              <a:defRPr sz="2000">
+                <a:solidFill>
+                  <a:srgbClr val="3C3C3C"/>
+                </a:solidFill>
+              </a:defRPr>
+            </a:pPr>
+            <a:r>
+              <a:t>3️⃣ Re-zip and upload to store</a:t>
+            </a:r>
+          </a:p>
+          <a:p>
+            <a:pPr>
+              <a:spcBef>
+                <a:spcPts val="800"/>
+              </a:spcBef>
+              <a:spcAft>
+                <a:spcPts val="800"/>
+              </a:spcAft>
+              <a:defRPr sz="2000">
+                <a:solidFill>
+                  <a:srgbClr val="3C3C3C"/>
+                </a:solidFill>
+              </a:defRPr>
+            </a:pPr>
+            <a:r>
+              <a:t>4️⃣ Write release notes for update</a:t>
+            </a:r>
+          </a:p>
+          <a:p>
+            <a:pPr>
+              <a:spcBef>
+                <a:spcPts val="800"/>
+              </a:spcBef>
+              <a:spcAft>
+                <a:spcPts val="800"/>
+              </a:spcAft>
+              <a:defRPr sz="2000">
+                <a:solidFill>
+                  <a:srgbClr val="3C3C3C"/>
+                </a:solidFill>
+              </a:defRPr>
+            </a:pPr>
+            <a:r>
+              <a:t>5️⃣ Monitor user reviews &amp; feedback</a:t>
+            </a:r>
+          </a:p>
+          <a:p>
+            <a:pPr>
+              <a:spcBef>
+                <a:spcPts val="800"/>
+              </a:spcBef>
+              <a:spcAft>
+                <a:spcPts val="800"/>
+              </a:spcAft>
+              <a:defRPr sz="2000">
+                <a:solidFill>
+                  <a:srgbClr val="3C3C3C"/>
+                </a:solidFill>
+              </a:defRPr>
+            </a:pPr>
+            <a:r>
+              <a:t>6️⃣ Plan next features based on feedback</a:t>
             </a:r>
           </a:p>
         </p:txBody>
@@ -6945,7 +6680,7 @@
               </a:defRPr>
             </a:pPr>
             <a:r>
-              <a:t>Project Success Timeline</a:t>
+              <a:t>Best Practices Going Forward</a:t>
             </a:r>
           </a:p>
         </p:txBody>
@@ -6986,97 +6721,97 @@
               </a:defRPr>
             </a:pPr>
             <a:r>
-              <a:t>📅 Days 1-3: Core development &amp; testing</a:t>
-            </a:r>
-          </a:p>
-          <a:p>
-            <a:pPr>
-              <a:spcBef>
-                <a:spcPts val="800"/>
-              </a:spcBef>
-              <a:spcAft>
-                <a:spcPts val="800"/>
-              </a:spcAft>
-              <a:defRPr sz="2000">
-                <a:solidFill>
-                  <a:srgbClr val="3C3C3C"/>
-                </a:solidFill>
-              </a:defRPr>
-            </a:pPr>
-            <a:r>
-              <a:t>📅 Days 4-5: Polish UI &amp; documentation</a:t>
-            </a:r>
-          </a:p>
-          <a:p>
-            <a:pPr>
-              <a:spcBef>
-                <a:spcPts val="800"/>
-              </a:spcBef>
-              <a:spcAft>
-                <a:spcPts val="800"/>
-              </a:spcAft>
-              <a:defRPr sz="2000">
-                <a:solidFill>
-                  <a:srgbClr val="3C3C3C"/>
-                </a:solidFill>
-              </a:defRPr>
-            </a:pPr>
-            <a:r>
-              <a:t>📅 Day 6: Package &amp; prepare submission</a:t>
-            </a:r>
-          </a:p>
-          <a:p>
-            <a:pPr>
-              <a:spcBef>
-                <a:spcPts val="800"/>
-              </a:spcBef>
-              <a:spcAft>
-                <a:spcPts val="800"/>
-              </a:spcAft>
-              <a:defRPr sz="2000">
-                <a:solidFill>
-                  <a:srgbClr val="3C3C3C"/>
-                </a:solidFill>
-              </a:defRPr>
-            </a:pPr>
-            <a:r>
-              <a:t>📅 Day 7: Submit to Chrome Web Store</a:t>
-            </a:r>
-          </a:p>
-          <a:p>
-            <a:pPr>
-              <a:spcBef>
-                <a:spcPts val="800"/>
-              </a:spcBef>
-              <a:spcAft>
-                <a:spcPts val="800"/>
-              </a:spcAft>
-              <a:defRPr sz="2000">
-                <a:solidFill>
-                  <a:srgbClr val="3C3C3C"/>
-                </a:solidFill>
-              </a:defRPr>
-            </a:pPr>
-            <a:r>
-              <a:t>📅 Days 8-10: Review &amp; approval</a:t>
-            </a:r>
-          </a:p>
-          <a:p>
-            <a:pPr>
-              <a:spcBef>
-                <a:spcPts val="800"/>
-              </a:spcBef>
-              <a:spcAft>
-                <a:spcPts val="800"/>
-              </a:spcAft>
-              <a:defRPr sz="2000">
-                <a:solidFill>
-                  <a:srgbClr val="3C3C3C"/>
-                </a:solidFill>
-              </a:defRPr>
-            </a:pPr>
-            <a:r>
-              <a:t>📅 Day 11: Live on Chrome Web Store! 🚀</a:t>
+              <a:t>🛡️ Security: Never store sensitive data externally</a:t>
+            </a:r>
+          </a:p>
+          <a:p>
+            <a:pPr>
+              <a:spcBef>
+                <a:spcPts val="800"/>
+              </a:spcBef>
+              <a:spcAft>
+                <a:spcPts val="800"/>
+              </a:spcAft>
+              <a:defRPr sz="2000">
+                <a:solidFill>
+                  <a:srgbClr val="3C3C3C"/>
+                </a:solidFill>
+              </a:defRPr>
+            </a:pPr>
+            <a:r>
+              <a:t>⚡ Performance: Minimize background processes</a:t>
+            </a:r>
+          </a:p>
+          <a:p>
+            <a:pPr>
+              <a:spcBef>
+                <a:spcPts val="800"/>
+              </a:spcBef>
+              <a:spcAft>
+                <a:spcPts val="800"/>
+              </a:spcAft>
+              <a:defRPr sz="2000">
+                <a:solidFill>
+                  <a:srgbClr val="3C3C3C"/>
+                </a:solidFill>
+              </a:defRPr>
+            </a:pPr>
+            <a:r>
+              <a:t>👤 UX: Keep interface simple &amp; intuitive</a:t>
+            </a:r>
+          </a:p>
+          <a:p>
+            <a:pPr>
+              <a:spcBef>
+                <a:spcPts val="800"/>
+              </a:spcBef>
+              <a:spcAft>
+                <a:spcPts val="800"/>
+              </a:spcAft>
+              <a:defRPr sz="2000">
+                <a:solidFill>
+                  <a:srgbClr val="3C3C3C"/>
+                </a:solidFill>
+              </a:defRPr>
+            </a:pPr>
+            <a:r>
+              <a:t>📱 Compatibility: Test on different Chrome versions</a:t>
+            </a:r>
+          </a:p>
+          <a:p>
+            <a:pPr>
+              <a:spcBef>
+                <a:spcPts val="800"/>
+              </a:spcBef>
+              <a:spcAft>
+                <a:spcPts val="800"/>
+              </a:spcAft>
+              <a:defRPr sz="2000">
+                <a:solidFill>
+                  <a:srgbClr val="3C3C3C"/>
+                </a:solidFill>
+              </a:defRPr>
+            </a:pPr>
+            <a:r>
+              <a:t>📢 Marketing: Promote on GitHub, forums, Twitter</a:t>
+            </a:r>
+          </a:p>
+          <a:p>
+            <a:pPr>
+              <a:spcBef>
+                <a:spcPts val="800"/>
+              </a:spcBef>
+              <a:spcAft>
+                <a:spcPts val="800"/>
+              </a:spcAft>
+              <a:defRPr sz="2000">
+                <a:solidFill>
+                  <a:srgbClr val="3C3C3C"/>
+                </a:solidFill>
+              </a:defRPr>
+            </a:pPr>
+            <a:r>
+              <a:t>💬 Support: Respond to user issues promptly</a:t>
             </a:r>
           </a:p>
         </p:txBody>
@@ -7090,6 +6825,386 @@
 </file>
 
 <file path=ppt/slides/slide22.xml><?xml version="1.0" encoding="utf-8"?>
+<p:sld xmlns:a="http://schemas.openxmlformats.org/drawingml/2006/main" xmlns:r="http://schemas.openxmlformats.org/officeDocument/2006/relationships" xmlns:p="http://schemas.openxmlformats.org/presentationml/2006/main">
+  <p:cSld>
+    <p:bg>
+      <p:bgPr>
+        <a:solidFill>
+          <a:srgbClr val="FFFFFF"/>
+        </a:solidFill>
+        <a:effectLst/>
+      </p:bgPr>
+    </p:bg>
+    <p:spTree>
+      <p:nvGrpSpPr>
+        <p:cNvPr id="1" name=""/>
+        <p:cNvGrpSpPr/>
+        <p:nvPr/>
+      </p:nvGrpSpPr>
+      <p:grpSpPr>
+        <a:xfrm>
+          <a:off x="0" y="0"/>
+          <a:ext cx="0" cy="0"/>
+          <a:chOff x="0" y="0"/>
+          <a:chExt cx="0" cy="0"/>
+        </a:xfrm>
+      </p:grpSpPr>
+      <p:sp>
+        <p:nvSpPr>
+          <p:cNvPr id="2" name="TextBox 1"/>
+          <p:cNvSpPr txBox="1"/>
+          <p:nvPr/>
+        </p:nvSpPr>
+        <p:spPr>
+          <a:xfrm>
+            <a:off x="457200" y="274320"/>
+            <a:ext cx="8229600" cy="731520"/>
+          </a:xfrm>
+          <a:prstGeom prst="rect">
+            <a:avLst/>
+          </a:prstGeom>
+          <a:noFill/>
+        </p:spPr>
+        <p:txBody>
+          <a:bodyPr wrap="none">
+            <a:spAutoFit/>
+          </a:bodyPr>
+          <a:lstStyle/>
+          <a:p>
+            <a:pPr>
+              <a:defRPr sz="4400" b="1">
+                <a:solidFill>
+                  <a:srgbClr val="D32F2F"/>
+                </a:solidFill>
+              </a:defRPr>
+            </a:pPr>
+            <a:r>
+              <a:t>Common Issues &amp; Solutions</a:t>
+            </a:r>
+          </a:p>
+        </p:txBody>
+      </p:sp>
+      <p:sp>
+        <p:nvSpPr>
+          <p:cNvPr id="3" name="TextBox 2"/>
+          <p:cNvSpPr txBox="1"/>
+          <p:nvPr/>
+        </p:nvSpPr>
+        <p:spPr>
+          <a:xfrm>
+            <a:off x="914400" y="1188720"/>
+            <a:ext cx="7772400" cy="5029200"/>
+          </a:xfrm>
+          <a:prstGeom prst="rect">
+            <a:avLst/>
+          </a:prstGeom>
+          <a:noFill/>
+        </p:spPr>
+        <p:txBody>
+          <a:bodyPr wrap="square">
+            <a:spAutoFit/>
+          </a:bodyPr>
+          <a:lstStyle/>
+          <a:p>
+            <a:pPr>
+              <a:spcBef>
+                <a:spcPts val="800"/>
+              </a:spcBef>
+              <a:spcAft>
+                <a:spcPts val="800"/>
+              </a:spcAft>
+              <a:defRPr sz="2000">
+                <a:solidFill>
+                  <a:srgbClr val="3C3C3C"/>
+                </a:solidFill>
+              </a:defRPr>
+            </a:pPr>
+            <a:r>
+              <a:t>❌ 'Unable to publish' → Check Account tab email</a:t>
+            </a:r>
+          </a:p>
+          <a:p>
+            <a:pPr>
+              <a:spcBef>
+                <a:spcPts val="800"/>
+              </a:spcBef>
+              <a:spcAft>
+                <a:spcPts val="800"/>
+              </a:spcAft>
+              <a:defRPr sz="2000">
+                <a:solidFill>
+                  <a:srgbClr val="3C3C3C"/>
+                </a:solidFill>
+              </a:defRPr>
+            </a:pPr>
+            <a:r>
+              <a:t>❌ 'Invalid manifest' → Validate manifest.json syntax</a:t>
+            </a:r>
+          </a:p>
+          <a:p>
+            <a:pPr>
+              <a:spcBef>
+                <a:spcPts val="800"/>
+              </a:spcBef>
+              <a:spcAft>
+                <a:spcPts val="800"/>
+              </a:spcAft>
+              <a:defRPr sz="2000">
+                <a:solidFill>
+                  <a:srgbClr val="3C3C3C"/>
+                </a:solidFill>
+              </a:defRPr>
+            </a:pPr>
+            <a:r>
+              <a:t>❌ Icon issues → Ensure PNG 16x16, 48x48, 128x128</a:t>
+            </a:r>
+          </a:p>
+          <a:p>
+            <a:pPr>
+              <a:spcBef>
+                <a:spcPts val="800"/>
+              </a:spcBef>
+              <a:spcAft>
+                <a:spcPts val="800"/>
+              </a:spcAft>
+              <a:defRPr sz="2000">
+                <a:solidFill>
+                  <a:srgbClr val="3C3C3C"/>
+                </a:solidFill>
+              </a:defRPr>
+            </a:pPr>
+            <a:r>
+              <a:t>❌ Rejection → Review error message, re-submit</a:t>
+            </a:r>
+          </a:p>
+          <a:p>
+            <a:pPr>
+              <a:spcBef>
+                <a:spcPts val="800"/>
+              </a:spcBef>
+              <a:spcAft>
+                <a:spcPts val="800"/>
+              </a:spcAft>
+              <a:defRPr sz="2000">
+                <a:solidFill>
+                  <a:srgbClr val="3C3C3C"/>
+                </a:solidFill>
+              </a:defRPr>
+            </a:pPr>
+            <a:r>
+              <a:t>❌ Slow review → Check for policy violations</a:t>
+            </a:r>
+          </a:p>
+        </p:txBody>
+      </p:sp>
+    </p:spTree>
+  </p:cSld>
+  <p:clrMapOvr>
+    <a:masterClrMapping/>
+  </p:clrMapOvr>
+</p:sld>
+</file>
+
+<file path=ppt/slides/slide23.xml><?xml version="1.0" encoding="utf-8"?>
+<p:sld xmlns:a="http://schemas.openxmlformats.org/drawingml/2006/main" xmlns:r="http://schemas.openxmlformats.org/officeDocument/2006/relationships" xmlns:p="http://schemas.openxmlformats.org/presentationml/2006/main">
+  <p:cSld>
+    <p:bg>
+      <p:bgPr>
+        <a:solidFill>
+          <a:srgbClr val="FFFFFF"/>
+        </a:solidFill>
+        <a:effectLst/>
+      </p:bgPr>
+    </p:bg>
+    <p:spTree>
+      <p:nvGrpSpPr>
+        <p:cNvPr id="1" name=""/>
+        <p:cNvGrpSpPr/>
+        <p:nvPr/>
+      </p:nvGrpSpPr>
+      <p:grpSpPr>
+        <a:xfrm>
+          <a:off x="0" y="0"/>
+          <a:ext cx="0" cy="0"/>
+          <a:chOff x="0" y="0"/>
+          <a:chExt cx="0" cy="0"/>
+        </a:xfrm>
+      </p:grpSpPr>
+      <p:sp>
+        <p:nvSpPr>
+          <p:cNvPr id="2" name="TextBox 1"/>
+          <p:cNvSpPr txBox="1"/>
+          <p:nvPr/>
+        </p:nvSpPr>
+        <p:spPr>
+          <a:xfrm>
+            <a:off x="457200" y="274320"/>
+            <a:ext cx="8229600" cy="731520"/>
+          </a:xfrm>
+          <a:prstGeom prst="rect">
+            <a:avLst/>
+          </a:prstGeom>
+          <a:noFill/>
+        </p:spPr>
+        <p:txBody>
+          <a:bodyPr wrap="none">
+            <a:spAutoFit/>
+          </a:bodyPr>
+          <a:lstStyle/>
+          <a:p>
+            <a:pPr>
+              <a:defRPr sz="4400" b="1">
+                <a:solidFill>
+                  <a:srgbClr val="D32F2F"/>
+                </a:solidFill>
+              </a:defRPr>
+            </a:pPr>
+            <a:r>
+              <a:t>Project Success Timeline</a:t>
+            </a:r>
+          </a:p>
+        </p:txBody>
+      </p:sp>
+      <p:sp>
+        <p:nvSpPr>
+          <p:cNvPr id="3" name="TextBox 2"/>
+          <p:cNvSpPr txBox="1"/>
+          <p:nvPr/>
+        </p:nvSpPr>
+        <p:spPr>
+          <a:xfrm>
+            <a:off x="914400" y="1188720"/>
+            <a:ext cx="7772400" cy="5029200"/>
+          </a:xfrm>
+          <a:prstGeom prst="rect">
+            <a:avLst/>
+          </a:prstGeom>
+          <a:noFill/>
+        </p:spPr>
+        <p:txBody>
+          <a:bodyPr wrap="square">
+            <a:spAutoFit/>
+          </a:bodyPr>
+          <a:lstStyle/>
+          <a:p>
+            <a:pPr>
+              <a:spcBef>
+                <a:spcPts val="800"/>
+              </a:spcBef>
+              <a:spcAft>
+                <a:spcPts val="800"/>
+              </a:spcAft>
+              <a:defRPr sz="2000">
+                <a:solidFill>
+                  <a:srgbClr val="3C3C3C"/>
+                </a:solidFill>
+              </a:defRPr>
+            </a:pPr>
+            <a:r>
+              <a:t>📅 Days 1-3: Core development &amp; testing</a:t>
+            </a:r>
+          </a:p>
+          <a:p>
+            <a:pPr>
+              <a:spcBef>
+                <a:spcPts val="800"/>
+              </a:spcBef>
+              <a:spcAft>
+                <a:spcPts val="800"/>
+              </a:spcAft>
+              <a:defRPr sz="2000">
+                <a:solidFill>
+                  <a:srgbClr val="3C3C3C"/>
+                </a:solidFill>
+              </a:defRPr>
+            </a:pPr>
+            <a:r>
+              <a:t>📅 Days 4-5: Polish UI &amp; documentation</a:t>
+            </a:r>
+          </a:p>
+          <a:p>
+            <a:pPr>
+              <a:spcBef>
+                <a:spcPts val="800"/>
+              </a:spcBef>
+              <a:spcAft>
+                <a:spcPts val="800"/>
+              </a:spcAft>
+              <a:defRPr sz="2000">
+                <a:solidFill>
+                  <a:srgbClr val="3C3C3C"/>
+                </a:solidFill>
+              </a:defRPr>
+            </a:pPr>
+            <a:r>
+              <a:t>📅 Day 6: Package &amp; prepare submission</a:t>
+            </a:r>
+          </a:p>
+          <a:p>
+            <a:pPr>
+              <a:spcBef>
+                <a:spcPts val="800"/>
+              </a:spcBef>
+              <a:spcAft>
+                <a:spcPts val="800"/>
+              </a:spcAft>
+              <a:defRPr sz="2000">
+                <a:solidFill>
+                  <a:srgbClr val="3C3C3C"/>
+                </a:solidFill>
+              </a:defRPr>
+            </a:pPr>
+            <a:r>
+              <a:t>📅 Day 7: Submit to Chrome Web Store</a:t>
+            </a:r>
+          </a:p>
+          <a:p>
+            <a:pPr>
+              <a:spcBef>
+                <a:spcPts val="800"/>
+              </a:spcBef>
+              <a:spcAft>
+                <a:spcPts val="800"/>
+              </a:spcAft>
+              <a:defRPr sz="2000">
+                <a:solidFill>
+                  <a:srgbClr val="3C3C3C"/>
+                </a:solidFill>
+              </a:defRPr>
+            </a:pPr>
+            <a:r>
+              <a:t>📅 Days 8-10: Review &amp; approval</a:t>
+            </a:r>
+          </a:p>
+          <a:p>
+            <a:pPr>
+              <a:spcBef>
+                <a:spcPts val="800"/>
+              </a:spcBef>
+              <a:spcAft>
+                <a:spcPts val="800"/>
+              </a:spcAft>
+              <a:defRPr sz="2000">
+                <a:solidFill>
+                  <a:srgbClr val="3C3C3C"/>
+                </a:solidFill>
+              </a:defRPr>
+            </a:pPr>
+            <a:r>
+              <a:t>📅 Day 11: Live on Chrome Web Store! 🚀</a:t>
+            </a:r>
+          </a:p>
+        </p:txBody>
+      </p:sp>
+    </p:spTree>
+  </p:cSld>
+  <p:clrMapOvr>
+    <a:masterClrMapping/>
+  </p:clrMapOvr>
+</p:sld>
+</file>
+
+<file path=ppt/slides/slide24.xml><?xml version="1.0" encoding="utf-8"?>
 <p:sld xmlns:a="http://schemas.openxmlformats.org/drawingml/2006/main" xmlns:r="http://schemas.openxmlformats.org/officeDocument/2006/relationships" xmlns:p="http://schemas.openxmlformats.org/presentationml/2006/main">
   <p:cSld>
     <p:spTree>
@@ -7181,7 +7296,7 @@
               </a:defRPr>
             </a:pPr>
             <a:r>
-              <a:rPr lang="en-US" altLang="ko-KR"/>
+              <a:rPr lang="en-US" altLang="ko-KR" dirty="0"/>
               <a:t>Tag Filter</a:t>
             </a:r>
           </a:p>
@@ -7230,7 +7345,7 @@
 </p:sld>
 </file>
 
-<file path=ppt/slides/slide23.xml><?xml version="1.0" encoding="utf-8"?>
+<file path=ppt/slides/slide25.xml><?xml version="1.0" encoding="utf-8"?>
 <p:sld xmlns:a="http://schemas.openxmlformats.org/drawingml/2006/main" xmlns:r="http://schemas.openxmlformats.org/officeDocument/2006/relationships" xmlns:p="http://schemas.openxmlformats.org/presentationml/2006/main">
   <p:cSld>
     <p:bg>
@@ -7388,7 +7503,7 @@
               </a:defRPr>
             </a:pPr>
             <a:r>
-              <a:t>Development Phases</a:t>
+              <a:t>Project Overview</a:t>
             </a:r>
           </a:p>
         </p:txBody>
@@ -7429,79 +7544,136 @@
               </a:defRPr>
             </a:pPr>
             <a:r>
-              <a:t>Phase 1️⃣: Core Functionality Setup (popup.html, popup.js)</a:t>
-            </a:r>
-          </a:p>
-          <a:p>
-            <a:pPr>
-              <a:spcBef>
-                <a:spcPts val="800"/>
-              </a:spcBef>
-              <a:spcAft>
-                <a:spcPts val="800"/>
-              </a:spcAft>
-              <a:defRPr sz="2000">
-                <a:solidFill>
-                  <a:srgbClr val="3C3C3C"/>
-                </a:solidFill>
-              </a:defRPr>
-            </a:pPr>
-            <a:r>
-              <a:t>Phase 2️⃣: Storage &amp; Data Management (chrome.storage API)</a:t>
-            </a:r>
-          </a:p>
-          <a:p>
-            <a:pPr>
-              <a:spcBef>
-                <a:spcPts val="800"/>
-              </a:spcBef>
-              <a:spcAft>
-                <a:spcPts val="800"/>
-              </a:spcAft>
-              <a:defRPr sz="2000">
-                <a:solidFill>
-                  <a:srgbClr val="3C3C3C"/>
-                </a:solidFill>
-              </a:defRPr>
-            </a:pPr>
-            <a:r>
-              <a:t>Phase 3️⃣: YouTube Metadata Extraction (scripting API)</a:t>
-            </a:r>
-          </a:p>
-          <a:p>
-            <a:pPr>
-              <a:spcBef>
-                <a:spcPts val="800"/>
-              </a:spcBef>
-              <a:spcAft>
-                <a:spcPts val="800"/>
-              </a:spcAft>
-              <a:defRPr sz="2000">
-                <a:solidFill>
-                  <a:srgbClr val="3C3C3C"/>
-                </a:solidFill>
-              </a:defRPr>
-            </a:pPr>
-            <a:r>
-              <a:t>Phase 4️⃣: CSV Export Feature</a:t>
-            </a:r>
-          </a:p>
-          <a:p>
-            <a:pPr>
-              <a:spcBef>
-                <a:spcPts val="800"/>
-              </a:spcBef>
-              <a:spcAft>
-                <a:spcPts val="800"/>
-              </a:spcAft>
-              <a:defRPr sz="2000">
-                <a:solidFill>
-                  <a:srgbClr val="3C3C3C"/>
-                </a:solidFill>
-              </a:defRPr>
-            </a:pPr>
-            <a:r>
-              <a:t>Phase 5️⃣: UI/UX Enhancement (filtering, tag management)</a:t>
+              <a:t>📌 Extension Name: YouTube Notes</a:t>
+            </a:r>
+          </a:p>
+          <a:p>
+            <a:pPr>
+              <a:spcBef>
+                <a:spcPts val="800"/>
+              </a:spcBef>
+              <a:spcAft>
+                <a:spcPts val="800"/>
+              </a:spcAft>
+              <a:defRPr sz="2000">
+                <a:solidFill>
+                  <a:srgbClr val="3C3C3C"/>
+                </a:solidFill>
+              </a:defRPr>
+            </a:pPr>
+            <a:r>
+              <a:t>✨ Purpose: Save YouTube video info with tags, opinions &amp; export as CSV</a:t>
+            </a:r>
+          </a:p>
+          <a:p>
+            <a:pPr>
+              <a:spcBef>
+                <a:spcPts val="800"/>
+              </a:spcBef>
+              <a:spcAft>
+                <a:spcPts val="800"/>
+              </a:spcAft>
+              <a:defRPr sz="2000">
+                <a:solidFill>
+                  <a:srgbClr val="3C3C3C"/>
+                </a:solidFill>
+              </a:defRPr>
+            </a:pPr>
+            <a:r>
+              <a:t>🎯 Target Users: Students, researchers, content creators</a:t>
+            </a:r>
+          </a:p>
+          <a:p>
+            <a:pPr>
+              <a:spcBef>
+                <a:spcPts val="800"/>
+              </a:spcBef>
+              <a:spcAft>
+                <a:spcPts val="800"/>
+              </a:spcAft>
+              <a:defRPr sz="2000">
+                <a:solidFill>
+                  <a:srgbClr val="3C3C3C"/>
+                </a:solidFill>
+              </a:defRPr>
+            </a:pPr>
+            <a:r>
+              <a:t>📊 Key Features: Auto metadata extraction, tag management, CSV export</a:t>
+            </a:r>
+          </a:p>
+        </p:txBody>
+      </p:sp>
+      <p:sp>
+        <p:nvSpPr>
+          <p:cNvPr id="4" name="직사각형 3"/>
+          <p:cNvSpPr/>
+          <p:nvPr/>
+        </p:nvSpPr>
+        <p:spPr>
+          <a:xfrm>
+            <a:off x="914400" y="3967141"/>
+            <a:ext cx="6858000" cy="1200329"/>
+          </a:xfrm>
+          <a:prstGeom prst="rect">
+            <a:avLst/>
+          </a:prstGeom>
+        </p:spPr>
+        <p:txBody>
+          <a:bodyPr wrap="square">
+            <a:spAutoFit/>
+          </a:bodyPr>
+          <a:lstStyle/>
+          <a:p>
+            <a:r>
+              <a:rPr lang="en-US" altLang="ko-KR" dirty="0" err="1" smtClean="0">
+                <a:solidFill>
+                  <a:srgbClr val="0070C0"/>
+                </a:solidFill>
+              </a:rPr>
+              <a:t>Youtube</a:t>
+            </a:r>
+            <a:r>
+              <a:rPr lang="en-US" altLang="ko-KR" dirty="0" smtClean="0">
+                <a:solidFill>
+                  <a:srgbClr val="0070C0"/>
+                </a:solidFill>
+              </a:rPr>
+              <a:t> Notes extensions are partially paid.</a:t>
+            </a:r>
+          </a:p>
+          <a:p>
+            <a:endParaRPr lang="en-US" altLang="ko-KR" dirty="0">
+              <a:solidFill>
+                <a:srgbClr val="0070C0"/>
+              </a:solidFill>
+            </a:endParaRPr>
+          </a:p>
+          <a:p>
+            <a:r>
+              <a:rPr lang="en-US" altLang="ko-KR" dirty="0" smtClean="0">
+                <a:solidFill>
+                  <a:srgbClr val="0070C0"/>
+                </a:solidFill>
+              </a:rPr>
+              <a:t>Source code : </a:t>
+            </a:r>
+          </a:p>
+          <a:p>
+            <a:r>
+              <a:rPr lang="ko-KR" altLang="en-US" dirty="0" smtClean="0">
+                <a:solidFill>
+                  <a:srgbClr val="0070C0"/>
+                </a:solidFill>
+              </a:rPr>
+              <a:t>https</a:t>
+            </a:r>
+            <a:r>
+              <a:rPr lang="ko-KR" altLang="en-US" dirty="0">
+                <a:solidFill>
+                  <a:srgbClr val="0070C0"/>
+                </a:solidFill>
+              </a:rPr>
+              <a:t>://github.com/cheoljoo/youtube_notes_chrome_extension</a:t>
             </a:r>
           </a:p>
         </p:txBody>
@@ -7569,7 +7741,7 @@
               </a:defRPr>
             </a:pPr>
             <a:r>
-              <a:t>Key Features Implemented</a:t>
+              <a:t>Development Phases</a:t>
             </a:r>
           </a:p>
         </p:txBody>
@@ -7610,97 +7782,79 @@
               </a:defRPr>
             </a:pPr>
             <a:r>
-              <a:t>✅ YouTube Title &amp; Publish Date Extraction</a:t>
-            </a:r>
-          </a:p>
-          <a:p>
-            <a:pPr>
-              <a:spcBef>
-                <a:spcPts val="800"/>
-              </a:spcBef>
-              <a:spcAft>
-                <a:spcPts val="800"/>
-              </a:spcAft>
-              <a:defRPr sz="2000">
-                <a:solidFill>
-                  <a:srgbClr val="3C3C3C"/>
-                </a:solidFill>
-              </a:defRPr>
-            </a:pPr>
-            <a:r>
-              <a:t>✅ Smart Tag Management (reusable tags with suggestions)</a:t>
-            </a:r>
-          </a:p>
-          <a:p>
-            <a:pPr>
-              <a:spcBef>
-                <a:spcPts val="800"/>
-              </a:spcBef>
-              <a:spcAft>
-                <a:spcPts val="800"/>
-              </a:spcAft>
-              <a:defRPr sz="2000">
-                <a:solidFill>
-                  <a:srgbClr val="3C3C3C"/>
-                </a:solidFill>
-              </a:defRPr>
-            </a:pPr>
-            <a:r>
-              <a:t>✅ Opinion Notes (multi-line textarea)</a:t>
-            </a:r>
-          </a:p>
-          <a:p>
-            <a:pPr>
-              <a:spcBef>
-                <a:spcPts val="800"/>
-              </a:spcBef>
-              <a:spcAft>
-                <a:spcPts val="800"/>
-              </a:spcAft>
-              <a:defRPr sz="2000">
-                <a:solidFill>
-                  <a:srgbClr val="3C3C3C"/>
-                </a:solidFill>
-              </a:defRPr>
-            </a:pPr>
-            <a:r>
-              <a:t>✅ Tag-based Filtering (click tag to filter notes)</a:t>
-            </a:r>
-          </a:p>
-          <a:p>
-            <a:pPr>
-              <a:spcBef>
-                <a:spcPts val="800"/>
-              </a:spcBef>
-              <a:spcAft>
-                <a:spcPts val="800"/>
-              </a:spcAft>
-              <a:defRPr sz="2000">
-                <a:solidFill>
-                  <a:srgbClr val="3C3C3C"/>
-                </a:solidFill>
-              </a:defRPr>
-            </a:pPr>
-            <a:r>
-              <a:t>✅ CSV Download (with all metadata)</a:t>
-            </a:r>
-          </a:p>
-          <a:p>
-            <a:pPr>
-              <a:spcBef>
-                <a:spcPts val="800"/>
-              </a:spcBef>
-              <a:spcAft>
-                <a:spcPts val="800"/>
-              </a:spcAft>
-              <a:defRPr sz="2000">
-                <a:solidFill>
-                  <a:srgbClr val="3C3C3C"/>
-                </a:solidFill>
-              </a:defRPr>
-            </a:pPr>
-            <a:r>
-              <a:t>✅ Local-only Storage (privacy-first)</a:t>
+              <a:t>Phase 1️⃣: Core Functionality Setup (popup.html, popup.js)</a:t>
+            </a:r>
+          </a:p>
+          <a:p>
+            <a:pPr>
+              <a:spcBef>
+                <a:spcPts val="800"/>
+              </a:spcBef>
+              <a:spcAft>
+                <a:spcPts val="800"/>
+              </a:spcAft>
+              <a:defRPr sz="2000">
+                <a:solidFill>
+                  <a:srgbClr val="3C3C3C"/>
+                </a:solidFill>
+              </a:defRPr>
+            </a:pPr>
+            <a:r>
+              <a:t>Phase 2️⃣: Storage &amp; Data Management (chrome.storage API)</a:t>
+            </a:r>
+          </a:p>
+          <a:p>
+            <a:pPr>
+              <a:spcBef>
+                <a:spcPts val="800"/>
+              </a:spcBef>
+              <a:spcAft>
+                <a:spcPts val="800"/>
+              </a:spcAft>
+              <a:defRPr sz="2000">
+                <a:solidFill>
+                  <a:srgbClr val="3C3C3C"/>
+                </a:solidFill>
+              </a:defRPr>
+            </a:pPr>
+            <a:r>
+              <a:t>Phase 3️⃣: YouTube Metadata Extraction (scripting API)</a:t>
+            </a:r>
+          </a:p>
+          <a:p>
+            <a:pPr>
+              <a:spcBef>
+                <a:spcPts val="800"/>
+              </a:spcBef>
+              <a:spcAft>
+                <a:spcPts val="800"/>
+              </a:spcAft>
+              <a:defRPr sz="2000">
+                <a:solidFill>
+                  <a:srgbClr val="3C3C3C"/>
+                </a:solidFill>
+              </a:defRPr>
+            </a:pPr>
+            <a:r>
+              <a:t>Phase 4️⃣: CSV Export Feature</a:t>
+            </a:r>
+          </a:p>
+          <a:p>
+            <a:pPr>
+              <a:spcBef>
+                <a:spcPts val="800"/>
+              </a:spcBef>
+              <a:spcAft>
+                <a:spcPts val="800"/>
+              </a:spcAft>
+              <a:defRPr sz="2000">
+                <a:solidFill>
+                  <a:srgbClr val="3C3C3C"/>
+                </a:solidFill>
+              </a:defRPr>
+            </a:pPr>
+            <a:r>
+              <a:t>Phase 5️⃣: UI/UX Enhancement (filtering, tag management)</a:t>
             </a:r>
           </a:p>
         </p:txBody>
@@ -7768,7 +7922,7 @@
               </a:defRPr>
             </a:pPr>
             <a:r>
-              <a:t>Project File Structure</a:t>
+              <a:t>Key Features Implemented</a:t>
             </a:r>
           </a:p>
         </p:txBody>
@@ -7809,97 +7963,97 @@
               </a:defRPr>
             </a:pPr>
             <a:r>
-              <a:t>📁 manifest.json - Extension configuration &amp; permissions</a:t>
-            </a:r>
-          </a:p>
-          <a:p>
-            <a:pPr>
-              <a:spcBef>
-                <a:spcPts val="800"/>
-              </a:spcBef>
-              <a:spcAft>
-                <a:spcPts val="800"/>
-              </a:spcAft>
-              <a:defRPr sz="2000">
-                <a:solidFill>
-                  <a:srgbClr val="3C3C3C"/>
-                </a:solidFill>
-              </a:defRPr>
-            </a:pPr>
-            <a:r>
-              <a:t>📁 popup.html/js - Main UI &amp; user interactions</a:t>
-            </a:r>
-          </a:p>
-          <a:p>
-            <a:pPr>
-              <a:spcBef>
-                <a:spcPts val="800"/>
-              </a:spcBef>
-              <a:spcAft>
-                <a:spcPts val="800"/>
-              </a:spcAft>
-              <a:defRPr sz="2000">
-                <a:solidFill>
-                  <a:srgbClr val="3C3C3C"/>
-                </a:solidFill>
-              </a:defRPr>
-            </a:pPr>
-            <a:r>
-              <a:t>📁 options.html/js - Settings page</a:t>
-            </a:r>
-          </a:p>
-          <a:p>
-            <a:pPr>
-              <a:spcBef>
-                <a:spcPts val="800"/>
-              </a:spcBef>
-              <a:spcAft>
-                <a:spcPts val="800"/>
-              </a:spcAft>
-              <a:defRPr sz="2000">
-                <a:solidFill>
-                  <a:srgbClr val="3C3C3C"/>
-                </a:solidFill>
-              </a:defRPr>
-            </a:pPr>
-            <a:r>
-              <a:t>📁 background.js - Service worker</a:t>
-            </a:r>
-          </a:p>
-          <a:p>
-            <a:pPr>
-              <a:spcBef>
-                <a:spcPts val="800"/>
-              </a:spcBef>
-              <a:spcAft>
-                <a:spcPts val="800"/>
-              </a:spcAft>
-              <a:defRPr sz="2000">
-                <a:solidFill>
-                  <a:srgbClr val="3C3C3C"/>
-                </a:solidFill>
-              </a:defRPr>
-            </a:pPr>
-            <a:r>
-              <a:t>📁 images/ - Icons (16x16, 48x48, 128x128 PNG)</a:t>
-            </a:r>
-          </a:p>
-          <a:p>
-            <a:pPr>
-              <a:spcBef>
-                <a:spcPts val="800"/>
-              </a:spcBef>
-              <a:spcAft>
-                <a:spcPts val="800"/>
-              </a:spcAft>
-              <a:defRPr sz="2000">
-                <a:solidFill>
-                  <a:srgbClr val="3C3C3C"/>
-                </a:solidFill>
-              </a:defRPr>
-            </a:pPr>
-            <a:r>
-              <a:t>📁 privacy_policy.html - Privacy documentation</a:t>
+              <a:t>✅ YouTube Title &amp; Publish Date Extraction</a:t>
+            </a:r>
+          </a:p>
+          <a:p>
+            <a:pPr>
+              <a:spcBef>
+                <a:spcPts val="800"/>
+              </a:spcBef>
+              <a:spcAft>
+                <a:spcPts val="800"/>
+              </a:spcAft>
+              <a:defRPr sz="2000">
+                <a:solidFill>
+                  <a:srgbClr val="3C3C3C"/>
+                </a:solidFill>
+              </a:defRPr>
+            </a:pPr>
+            <a:r>
+              <a:t>✅ Smart Tag Management (reusable tags with suggestions)</a:t>
+            </a:r>
+          </a:p>
+          <a:p>
+            <a:pPr>
+              <a:spcBef>
+                <a:spcPts val="800"/>
+              </a:spcBef>
+              <a:spcAft>
+                <a:spcPts val="800"/>
+              </a:spcAft>
+              <a:defRPr sz="2000">
+                <a:solidFill>
+                  <a:srgbClr val="3C3C3C"/>
+                </a:solidFill>
+              </a:defRPr>
+            </a:pPr>
+            <a:r>
+              <a:t>✅ Opinion Notes (multi-line textarea)</a:t>
+            </a:r>
+          </a:p>
+          <a:p>
+            <a:pPr>
+              <a:spcBef>
+                <a:spcPts val="800"/>
+              </a:spcBef>
+              <a:spcAft>
+                <a:spcPts val="800"/>
+              </a:spcAft>
+              <a:defRPr sz="2000">
+                <a:solidFill>
+                  <a:srgbClr val="3C3C3C"/>
+                </a:solidFill>
+              </a:defRPr>
+            </a:pPr>
+            <a:r>
+              <a:t>✅ Tag-based Filtering (click tag to filter notes)</a:t>
+            </a:r>
+          </a:p>
+          <a:p>
+            <a:pPr>
+              <a:spcBef>
+                <a:spcPts val="800"/>
+              </a:spcBef>
+              <a:spcAft>
+                <a:spcPts val="800"/>
+              </a:spcAft>
+              <a:defRPr sz="2000">
+                <a:solidFill>
+                  <a:srgbClr val="3C3C3C"/>
+                </a:solidFill>
+              </a:defRPr>
+            </a:pPr>
+            <a:r>
+              <a:t>✅ CSV Download (with all metadata)</a:t>
+            </a:r>
+          </a:p>
+          <a:p>
+            <a:pPr>
+              <a:spcBef>
+                <a:spcPts val="800"/>
+              </a:spcBef>
+              <a:spcAft>
+                <a:spcPts val="800"/>
+              </a:spcAft>
+              <a:defRPr sz="2000">
+                <a:solidFill>
+                  <a:srgbClr val="3C3C3C"/>
+                </a:solidFill>
+              </a:defRPr>
+            </a:pPr>
+            <a:r>
+              <a:t>✅ Local-only Storage (privacy-first)</a:t>
             </a:r>
           </a:p>
         </p:txBody>
@@ -7967,7 +8121,7 @@
               </a:defRPr>
             </a:pPr>
             <a:r>
-              <a:t>Development Tools</a:t>
+              <a:t>Project File Structure</a:t>
             </a:r>
           </a:p>
         </p:txBody>
@@ -8008,79 +8162,97 @@
               </a:defRPr>
             </a:pPr>
             <a:r>
-              <a:t>💻 Language: JavaScript (ES6+)</a:t>
-            </a:r>
-          </a:p>
-          <a:p>
-            <a:pPr>
-              <a:spcBef>
-                <a:spcPts val="800"/>
-              </a:spcBef>
-              <a:spcAft>
-                <a:spcPts val="800"/>
-              </a:spcAft>
-              <a:defRPr sz="2000">
-                <a:solidFill>
-                  <a:srgbClr val="3C3C3C"/>
-                </a:solidFill>
-              </a:defRPr>
-            </a:pPr>
-            <a:r>
-              <a:t>🛠️ APIs: Chrome Storage, Chrome Scripting, Chrome Tabs</a:t>
-            </a:r>
-          </a:p>
-          <a:p>
-            <a:pPr>
-              <a:spcBef>
-                <a:spcPts val="800"/>
-              </a:spcBef>
-              <a:spcAft>
-                <a:spcPts val="800"/>
-              </a:spcAft>
-              <a:defRPr sz="2000">
-                <a:solidFill>
-                  <a:srgbClr val="3C3C3C"/>
-                </a:solidFill>
-              </a:defRPr>
-            </a:pPr>
-            <a:r>
-              <a:t>🎨 UI: HTML5, CSS3</a:t>
-            </a:r>
-          </a:p>
-          <a:p>
-            <a:pPr>
-              <a:spcBef>
-                <a:spcPts val="800"/>
-              </a:spcBef>
-              <a:spcAft>
-                <a:spcPts val="800"/>
-              </a:spcAft>
-              <a:defRPr sz="2000">
-                <a:solidFill>
-                  <a:srgbClr val="3C3C3C"/>
-                </a:solidFill>
-              </a:defRPr>
-            </a:pPr>
-            <a:r>
-              <a:t>📦 Build: Python (for icon generation)</a:t>
-            </a:r>
-          </a:p>
-          <a:p>
-            <a:pPr>
-              <a:spcBef>
-                <a:spcPts val="800"/>
-              </a:spcBef>
-              <a:spcAft>
-                <a:spcPts val="800"/>
-              </a:spcAft>
-              <a:defRPr sz="2000">
-                <a:solidFill>
-                  <a:srgbClr val="3C3C3C"/>
-                </a:solidFill>
-              </a:defRPr>
-            </a:pPr>
-            <a:r>
-              <a:t>📊 Data Format: JSON (storage), CSV (export)</a:t>
+              <a:t>📁 manifest.json - Extension configuration &amp; permissions</a:t>
+            </a:r>
+          </a:p>
+          <a:p>
+            <a:pPr>
+              <a:spcBef>
+                <a:spcPts val="800"/>
+              </a:spcBef>
+              <a:spcAft>
+                <a:spcPts val="800"/>
+              </a:spcAft>
+              <a:defRPr sz="2000">
+                <a:solidFill>
+                  <a:srgbClr val="3C3C3C"/>
+                </a:solidFill>
+              </a:defRPr>
+            </a:pPr>
+            <a:r>
+              <a:t>📁 popup.html/js - Main UI &amp; user interactions</a:t>
+            </a:r>
+          </a:p>
+          <a:p>
+            <a:pPr>
+              <a:spcBef>
+                <a:spcPts val="800"/>
+              </a:spcBef>
+              <a:spcAft>
+                <a:spcPts val="800"/>
+              </a:spcAft>
+              <a:defRPr sz="2000">
+                <a:solidFill>
+                  <a:srgbClr val="3C3C3C"/>
+                </a:solidFill>
+              </a:defRPr>
+            </a:pPr>
+            <a:r>
+              <a:t>📁 options.html/js - Settings page</a:t>
+            </a:r>
+          </a:p>
+          <a:p>
+            <a:pPr>
+              <a:spcBef>
+                <a:spcPts val="800"/>
+              </a:spcBef>
+              <a:spcAft>
+                <a:spcPts val="800"/>
+              </a:spcAft>
+              <a:defRPr sz="2000">
+                <a:solidFill>
+                  <a:srgbClr val="3C3C3C"/>
+                </a:solidFill>
+              </a:defRPr>
+            </a:pPr>
+            <a:r>
+              <a:t>📁 background.js - Service worker</a:t>
+            </a:r>
+          </a:p>
+          <a:p>
+            <a:pPr>
+              <a:spcBef>
+                <a:spcPts val="800"/>
+              </a:spcBef>
+              <a:spcAft>
+                <a:spcPts val="800"/>
+              </a:spcAft>
+              <a:defRPr sz="2000">
+                <a:solidFill>
+                  <a:srgbClr val="3C3C3C"/>
+                </a:solidFill>
+              </a:defRPr>
+            </a:pPr>
+            <a:r>
+              <a:t>📁 images/ - Icons (16x16, 48x48, 128x128 PNG)</a:t>
+            </a:r>
+          </a:p>
+          <a:p>
+            <a:pPr>
+              <a:spcBef>
+                <a:spcPts val="800"/>
+              </a:spcBef>
+              <a:spcAft>
+                <a:spcPts val="800"/>
+              </a:spcAft>
+              <a:defRPr sz="2000">
+                <a:solidFill>
+                  <a:srgbClr val="3C3C3C"/>
+                </a:solidFill>
+              </a:defRPr>
+            </a:pPr>
+            <a:r>
+              <a:t>📁 privacy_policy.html - Privacy documentation</a:t>
             </a:r>
           </a:p>
         </p:txBody>
@@ -8148,7 +8320,7 @@
               </a:defRPr>
             </a:pPr>
             <a:r>
-              <a:t>Testing &amp; QA Process</a:t>
+              <a:t>Development Tools</a:t>
             </a:r>
           </a:p>
         </p:txBody>
@@ -8189,97 +8361,79 @@
               </a:defRPr>
             </a:pPr>
             <a:r>
-              <a:t>1️⃣ Load extension in development mode (chrome://extensions)</a:t>
-            </a:r>
-          </a:p>
-          <a:p>
-            <a:pPr>
-              <a:spcBef>
-                <a:spcPts val="800"/>
-              </a:spcBef>
-              <a:spcAft>
-                <a:spcPts val="800"/>
-              </a:spcAft>
-              <a:defRPr sz="2000">
-                <a:solidFill>
-                  <a:srgbClr val="3C3C3C"/>
-                </a:solidFill>
-              </a:defRPr>
-            </a:pPr>
-            <a:r>
-              <a:t>2️⃣ Test on real YouTube videos</a:t>
-            </a:r>
-          </a:p>
-          <a:p>
-            <a:pPr>
-              <a:spcBef>
-                <a:spcPts val="800"/>
-              </a:spcBef>
-              <a:spcAft>
-                <a:spcPts val="800"/>
-              </a:spcAft>
-              <a:defRPr sz="2000">
-                <a:solidFill>
-                  <a:srgbClr val="3C3C3C"/>
-                </a:solidFill>
-              </a:defRPr>
-            </a:pPr>
-            <a:r>
-              <a:t>3️⃣ Verify metadata extraction accuracy</a:t>
-            </a:r>
-          </a:p>
-          <a:p>
-            <a:pPr>
-              <a:spcBef>
-                <a:spcPts val="800"/>
-              </a:spcBef>
-              <a:spcAft>
-                <a:spcPts val="800"/>
-              </a:spcAft>
-              <a:defRPr sz="2000">
-                <a:solidFill>
-                  <a:srgbClr val="3C3C3C"/>
-                </a:solidFill>
-              </a:defRPr>
-            </a:pPr>
-            <a:r>
-              <a:t>4️⃣ Check tag filtering functionality</a:t>
-            </a:r>
-          </a:p>
-          <a:p>
-            <a:pPr>
-              <a:spcBef>
-                <a:spcPts val="800"/>
-              </a:spcBef>
-              <a:spcAft>
-                <a:spcPts val="800"/>
-              </a:spcAft>
-              <a:defRPr sz="2000">
-                <a:solidFill>
-                  <a:srgbClr val="3C3C3C"/>
-                </a:solidFill>
-              </a:defRPr>
-            </a:pPr>
-            <a:r>
-              <a:t>5️⃣ Validate CSV export format</a:t>
-            </a:r>
-          </a:p>
-          <a:p>
-            <a:pPr>
-              <a:spcBef>
-                <a:spcPts val="800"/>
-              </a:spcBef>
-              <a:spcAft>
-                <a:spcPts val="800"/>
-              </a:spcAft>
-              <a:defRPr sz="2000">
-                <a:solidFill>
-                  <a:srgbClr val="3C3C3C"/>
-                </a:solidFill>
-              </a:defRPr>
-            </a:pPr>
-            <a:r>
-              <a:t>6️⃣ Test on multiple YouTube pages</a:t>
+              <a:t>💻 Language: JavaScript (ES6+)</a:t>
+            </a:r>
+          </a:p>
+          <a:p>
+            <a:pPr>
+              <a:spcBef>
+                <a:spcPts val="800"/>
+              </a:spcBef>
+              <a:spcAft>
+                <a:spcPts val="800"/>
+              </a:spcAft>
+              <a:defRPr sz="2000">
+                <a:solidFill>
+                  <a:srgbClr val="3C3C3C"/>
+                </a:solidFill>
+              </a:defRPr>
+            </a:pPr>
+            <a:r>
+              <a:t>🛠️ APIs: Chrome Storage, Chrome Scripting, Chrome Tabs</a:t>
+            </a:r>
+          </a:p>
+          <a:p>
+            <a:pPr>
+              <a:spcBef>
+                <a:spcPts val="800"/>
+              </a:spcBef>
+              <a:spcAft>
+                <a:spcPts val="800"/>
+              </a:spcAft>
+              <a:defRPr sz="2000">
+                <a:solidFill>
+                  <a:srgbClr val="3C3C3C"/>
+                </a:solidFill>
+              </a:defRPr>
+            </a:pPr>
+            <a:r>
+              <a:t>🎨 UI: HTML5, CSS3</a:t>
+            </a:r>
+          </a:p>
+          <a:p>
+            <a:pPr>
+              <a:spcBef>
+                <a:spcPts val="800"/>
+              </a:spcBef>
+              <a:spcAft>
+                <a:spcPts val="800"/>
+              </a:spcAft>
+              <a:defRPr sz="2000">
+                <a:solidFill>
+                  <a:srgbClr val="3C3C3C"/>
+                </a:solidFill>
+              </a:defRPr>
+            </a:pPr>
+            <a:r>
+              <a:t>📦 Build: Python (for icon generation)</a:t>
+            </a:r>
+          </a:p>
+          <a:p>
+            <a:pPr>
+              <a:spcBef>
+                <a:spcPts val="800"/>
+              </a:spcBef>
+              <a:spcAft>
+                <a:spcPts val="800"/>
+              </a:spcAft>
+              <a:defRPr sz="2000">
+                <a:solidFill>
+                  <a:srgbClr val="3C3C3C"/>
+                </a:solidFill>
+              </a:defRPr>
+            </a:pPr>
+            <a:r>
+              <a:t>📊 Data Format: JSON (storage), CSV (export)</a:t>
             </a:r>
           </a:p>
         </p:txBody>
@@ -8347,7 +8501,7 @@
               </a:defRPr>
             </a:pPr>
             <a:r>
-              <a:t>Permission Justification</a:t>
+              <a:t>Testing &amp; QA Process</a:t>
             </a:r>
           </a:p>
         </p:txBody>
@@ -8388,79 +8542,97 @@
               </a:defRPr>
             </a:pPr>
             <a:r>
-              <a:t>🔒 storage - Local note storage (no cloud)</a:t>
-            </a:r>
-          </a:p>
-          <a:p>
-            <a:pPr>
-              <a:spcBef>
-                <a:spcPts val="800"/>
-              </a:spcBef>
-              <a:spcAft>
-                <a:spcPts val="800"/>
-              </a:spcAft>
-              <a:defRPr sz="2000">
-                <a:solidFill>
-                  <a:srgbClr val="3C3C3C"/>
-                </a:solidFill>
-              </a:defRPr>
-            </a:pPr>
-            <a:r>
-              <a:t>📑 activeTab - Current tab URL capture</a:t>
-            </a:r>
-          </a:p>
-          <a:p>
-            <a:pPr>
-              <a:spcBef>
-                <a:spcPts val="800"/>
-              </a:spcBef>
-              <a:spcAft>
-                <a:spcPts val="800"/>
-              </a:spcAft>
-              <a:defRPr sz="2000">
-                <a:solidFill>
-                  <a:srgbClr val="3C3C3C"/>
-                </a:solidFill>
-              </a:defRPr>
-            </a:pPr>
-            <a:r>
-              <a:t>⚙️ scripting - YouTube metadata extraction</a:t>
-            </a:r>
-          </a:p>
-          <a:p>
-            <a:pPr>
-              <a:spcBef>
-                <a:spcPts val="800"/>
-              </a:spcBef>
-              <a:spcAft>
-                <a:spcPts val="800"/>
-              </a:spcAft>
-              <a:defRPr sz="2000">
-                <a:solidFill>
-                  <a:srgbClr val="3C3C3C"/>
-                </a:solidFill>
-              </a:defRPr>
-            </a:pPr>
-            <a:r>
-              <a:t>🌐 Host Permission - YouTube.com access only</a:t>
-            </a:r>
-          </a:p>
-          <a:p>
-            <a:pPr>
-              <a:spcBef>
-                <a:spcPts val="800"/>
-              </a:spcBef>
-              <a:spcAft>
-                <a:spcPts val="800"/>
-              </a:spcAft>
-              <a:defRPr sz="2000">
-                <a:solidFill>
-                  <a:srgbClr val="3C3C3C"/>
-                </a:solidFill>
-              </a:defRPr>
-            </a:pPr>
-            <a:r>
-              <a:t>✨ NO identity/OAuth - Local storage only!</a:t>
+              <a:t>1️⃣ Load extension in development mode (chrome://extensions)</a:t>
+            </a:r>
+          </a:p>
+          <a:p>
+            <a:pPr>
+              <a:spcBef>
+                <a:spcPts val="800"/>
+              </a:spcBef>
+              <a:spcAft>
+                <a:spcPts val="800"/>
+              </a:spcAft>
+              <a:defRPr sz="2000">
+                <a:solidFill>
+                  <a:srgbClr val="3C3C3C"/>
+                </a:solidFill>
+              </a:defRPr>
+            </a:pPr>
+            <a:r>
+              <a:t>2️⃣ Test on real YouTube videos</a:t>
+            </a:r>
+          </a:p>
+          <a:p>
+            <a:pPr>
+              <a:spcBef>
+                <a:spcPts val="800"/>
+              </a:spcBef>
+              <a:spcAft>
+                <a:spcPts val="800"/>
+              </a:spcAft>
+              <a:defRPr sz="2000">
+                <a:solidFill>
+                  <a:srgbClr val="3C3C3C"/>
+                </a:solidFill>
+              </a:defRPr>
+            </a:pPr>
+            <a:r>
+              <a:t>3️⃣ Verify metadata extraction accuracy</a:t>
+            </a:r>
+          </a:p>
+          <a:p>
+            <a:pPr>
+              <a:spcBef>
+                <a:spcPts val="800"/>
+              </a:spcBef>
+              <a:spcAft>
+                <a:spcPts val="800"/>
+              </a:spcAft>
+              <a:defRPr sz="2000">
+                <a:solidFill>
+                  <a:srgbClr val="3C3C3C"/>
+                </a:solidFill>
+              </a:defRPr>
+            </a:pPr>
+            <a:r>
+              <a:t>4️⃣ Check tag filtering functionality</a:t>
+            </a:r>
+          </a:p>
+          <a:p>
+            <a:pPr>
+              <a:spcBef>
+                <a:spcPts val="800"/>
+              </a:spcBef>
+              <a:spcAft>
+                <a:spcPts val="800"/>
+              </a:spcAft>
+              <a:defRPr sz="2000">
+                <a:solidFill>
+                  <a:srgbClr val="3C3C3C"/>
+                </a:solidFill>
+              </a:defRPr>
+            </a:pPr>
+            <a:r>
+              <a:t>5️⃣ Validate CSV export format</a:t>
+            </a:r>
+          </a:p>
+          <a:p>
+            <a:pPr>
+              <a:spcBef>
+                <a:spcPts val="800"/>
+              </a:spcBef>
+              <a:spcAft>
+                <a:spcPts val="800"/>
+              </a:spcAft>
+              <a:defRPr sz="2000">
+                <a:solidFill>
+                  <a:srgbClr val="3C3C3C"/>
+                </a:solidFill>
+              </a:defRPr>
+            </a:pPr>
+            <a:r>
+              <a:t>6️⃣ Test on multiple YouTube pages</a:t>
             </a:r>
           </a:p>
         </p:txBody>
@@ -8528,7 +8700,7 @@
               </a:defRPr>
             </a:pPr>
             <a:r>
-              <a:t>Pre-Submission Checklist</a:t>
+              <a:t>Permission Justification</a:t>
             </a:r>
           </a:p>
         </p:txBody>
@@ -8569,97 +8741,79 @@
               </a:defRPr>
             </a:pPr>
             <a:r>
-              <a:t>✅ manifest.json properly configured</a:t>
-            </a:r>
-          </a:p>
-          <a:p>
-            <a:pPr>
-              <a:spcBef>
-                <a:spcPts val="800"/>
-              </a:spcBef>
-              <a:spcAft>
-                <a:spcPts val="800"/>
-              </a:spcAft>
-              <a:defRPr sz="2000">
-                <a:solidFill>
-                  <a:srgbClr val="3C3C3C"/>
-                </a:solidFill>
-              </a:defRPr>
-            </a:pPr>
-            <a:r>
-              <a:t>✅ Icons created (16, 48, 128 PNG)</a:t>
-            </a:r>
-          </a:p>
-          <a:p>
-            <a:pPr>
-              <a:spcBef>
-                <a:spcPts val="800"/>
-              </a:spcBef>
-              <a:spcAft>
-                <a:spcPts val="800"/>
-              </a:spcAft>
-              <a:defRPr sz="2000">
-                <a:solidFill>
-                  <a:srgbClr val="3C3C3C"/>
-                </a:solidFill>
-              </a:defRPr>
-            </a:pPr>
-            <a:r>
-              <a:t>✅ Privacy policy written (English)</a:t>
-            </a:r>
-          </a:p>
-          <a:p>
-            <a:pPr>
-              <a:spcBef>
-                <a:spcPts val="800"/>
-              </a:spcBef>
-              <a:spcAft>
-                <a:spcPts val="800"/>
-              </a:spcAft>
-              <a:defRPr sz="2000">
-                <a:solidFill>
-                  <a:srgbClr val="3C3C3C"/>
-                </a:solidFill>
-              </a:defRPr>
-            </a:pPr>
-            <a:r>
-              <a:t>✅ README.md with usage instructions</a:t>
-            </a:r>
-          </a:p>
-          <a:p>
-            <a:pPr>
-              <a:spcBef>
-                <a:spcPts val="800"/>
-              </a:spcBef>
-              <a:spcAft>
-                <a:spcPts val="800"/>
-              </a:spcAft>
-              <a:defRPr sz="2000">
-                <a:solidFill>
-                  <a:srgbClr val="3C3C3C"/>
-                </a:solidFill>
-              </a:defRPr>
-            </a:pPr>
-            <a:r>
-              <a:t>✅ All files packaged as .zip</a:t>
-            </a:r>
-          </a:p>
-          <a:p>
-            <a:pPr>
-              <a:spcBef>
-                <a:spcPts val="800"/>
-              </a:spcBef>
-              <a:spcAft>
-                <a:spcPts val="800"/>
-              </a:spcAft>
-              <a:defRPr sz="2000">
-                <a:solidFill>
-                  <a:srgbClr val="3C3C3C"/>
-                </a:solidFill>
-              </a:defRPr>
-            </a:pPr>
-            <a:r>
-              <a:t>✅ No external code/resources</a:t>
+              <a:t>🔒 storage - Local note storage (no cloud)</a:t>
+            </a:r>
+          </a:p>
+          <a:p>
+            <a:pPr>
+              <a:spcBef>
+                <a:spcPts val="800"/>
+              </a:spcBef>
+              <a:spcAft>
+                <a:spcPts val="800"/>
+              </a:spcAft>
+              <a:defRPr sz="2000">
+                <a:solidFill>
+                  <a:srgbClr val="3C3C3C"/>
+                </a:solidFill>
+              </a:defRPr>
+            </a:pPr>
+            <a:r>
+              <a:t>📑 activeTab - Current tab URL capture</a:t>
+            </a:r>
+          </a:p>
+          <a:p>
+            <a:pPr>
+              <a:spcBef>
+                <a:spcPts val="800"/>
+              </a:spcBef>
+              <a:spcAft>
+                <a:spcPts val="800"/>
+              </a:spcAft>
+              <a:defRPr sz="2000">
+                <a:solidFill>
+                  <a:srgbClr val="3C3C3C"/>
+                </a:solidFill>
+              </a:defRPr>
+            </a:pPr>
+            <a:r>
+              <a:t>⚙️ scripting - YouTube metadata extraction</a:t>
+            </a:r>
+          </a:p>
+          <a:p>
+            <a:pPr>
+              <a:spcBef>
+                <a:spcPts val="800"/>
+              </a:spcBef>
+              <a:spcAft>
+                <a:spcPts val="800"/>
+              </a:spcAft>
+              <a:defRPr sz="2000">
+                <a:solidFill>
+                  <a:srgbClr val="3C3C3C"/>
+                </a:solidFill>
+              </a:defRPr>
+            </a:pPr>
+            <a:r>
+              <a:t>🌐 Host Permission - YouTube.com access only</a:t>
+            </a:r>
+          </a:p>
+          <a:p>
+            <a:pPr>
+              <a:spcBef>
+                <a:spcPts val="800"/>
+              </a:spcBef>
+              <a:spcAft>
+                <a:spcPts val="800"/>
+              </a:spcAft>
+              <a:defRPr sz="2000">
+                <a:solidFill>
+                  <a:srgbClr val="3C3C3C"/>
+                </a:solidFill>
+              </a:defRPr>
+            </a:pPr>
+            <a:r>
+              <a:t>✨ NO identity/OAuth - Local storage only!</a:t>
             </a:r>
           </a:p>
         </p:txBody>
